--- a/2ndPresentation_group2_CST_8912.pptx
+++ b/2ndPresentation_group2_CST_8912.pptx
@@ -11,11 +11,10 @@
     <p:sldId id="267" r:id="rId5"/>
     <p:sldId id="268" r:id="rId6"/>
     <p:sldId id="264" r:id="rId7"/>
-    <p:sldId id="260" r:id="rId8"/>
-    <p:sldId id="269" r:id="rId9"/>
-    <p:sldId id="261" r:id="rId10"/>
-    <p:sldId id="263" r:id="rId11"/>
-    <p:sldId id="265" r:id="rId12"/>
+    <p:sldId id="269" r:id="rId8"/>
+    <p:sldId id="261" r:id="rId9"/>
+    <p:sldId id="263" r:id="rId10"/>
+    <p:sldId id="265" r:id="rId11"/>
   </p:sldIdLst>
   <p:sldSz cx="12192000" cy="6858000"/>
   <p:notesSz cx="6858000" cy="9144000"/>
@@ -125,3001 +124,12 @@
 <file path=ppt/revisionInfo.xml><?xml version="1.0" encoding="utf-8"?>
 <p1510:revInfo xmlns:a="http://schemas.openxmlformats.org/drawingml/2006/main" xmlns:r="http://schemas.openxmlformats.org/officeDocument/2006/relationships" xmlns:p1510="http://schemas.microsoft.com/office/powerpoint/2015/10/main">
   <p1510:revLst>
-    <p1510:client id="{089E3743-625D-36E6-C6BA-C2CEE3A71798}" v="19" dt="2024-10-18T19:06:36.797"/>
-    <p1510:client id="{30612312-F30C-BE60-CBE4-BA5482093113}" v="515" dt="2024-10-18T19:06:34.500"/>
+    <p1510:client id="{089E3743-625D-36E6-C6BA-C2CEE3A71798}" v="93" dt="2024-10-18T19:11:36.739"/>
+    <p1510:client id="{30612312-F30C-BE60-CBE4-BA5482093113}" v="573" dt="2024-10-18T19:07:06.907"/>
     <p1510:client id="{9CE4A83D-7572-4FD0-82C8-D07808D78252}" v="895" dt="2024-10-18T18:46:33.452"/>
-    <p1510:client id="{AF6451C2-BE0C-9A0A-75F9-11E47ABBA906}" v="439" dt="2024-10-18T19:04:38.298"/>
+    <p1510:client id="{AF6451C2-BE0C-9A0A-75F9-11E47ABBA906}" v="515" dt="2024-10-18T19:14:58.213"/>
   </p1510:revLst>
 </p1510:revInfo>
-</file>
-
-<file path=ppt/diagrams/colors1.xml><?xml version="1.0" encoding="utf-8"?>
-<dgm:colorsDef xmlns:dgm="http://schemas.openxmlformats.org/drawingml/2006/diagram" xmlns:a="http://schemas.openxmlformats.org/drawingml/2006/main" uniqueId="urn:microsoft.com/office/officeart/2018/5/colors/Iconchunking_neutralicon_colorful1">
-  <dgm:title val=""/>
-  <dgm:desc val=""/>
-  <dgm:catLst>
-    <dgm:cat type="colorful" pri="10100"/>
-  </dgm:catLst>
-  <dgm:styleLbl name="node0">
-    <dgm:fillClrLst meth="repeat">
-      <a:schemeClr val="accent1"/>
-    </dgm:fillClrLst>
-    <dgm:linClrLst meth="repeat">
-      <a:schemeClr val="lt1"/>
-    </dgm:linClrLst>
-    <dgm:effectClrLst/>
-    <dgm:txLinClrLst/>
-    <dgm:txFillClrLst/>
-    <dgm:txEffectClrLst/>
-  </dgm:styleLbl>
-  <dgm:styleLbl name="node1">
-    <dgm:fillClrLst meth="repeat">
-      <a:schemeClr val="bg1"/>
-    </dgm:fillClrLst>
-    <dgm:linClrLst meth="repeat">
-      <a:schemeClr val="lt1">
-        <a:alpha val="0"/>
-      </a:schemeClr>
-    </dgm:linClrLst>
-    <dgm:effectClrLst/>
-    <dgm:txLinClrLst/>
-    <dgm:txFillClrLst meth="repeat">
-      <a:schemeClr val="dk1"/>
-    </dgm:txFillClrLst>
-    <dgm:txEffectClrLst/>
-  </dgm:styleLbl>
-  <dgm:styleLbl name="alignNode1">
-    <dgm:fillClrLst meth="repeat">
-      <a:schemeClr val="accent2"/>
-      <a:schemeClr val="accent3"/>
-      <a:schemeClr val="accent4"/>
-      <a:schemeClr val="accent5"/>
-      <a:schemeClr val="accent6"/>
-    </dgm:fillClrLst>
-    <dgm:linClrLst meth="repeat">
-      <a:schemeClr val="accent2"/>
-      <a:schemeClr val="accent3"/>
-      <a:schemeClr val="accent4"/>
-      <a:schemeClr val="accent5"/>
-      <a:schemeClr val="accent6"/>
-    </dgm:linClrLst>
-    <dgm:effectClrLst/>
-    <dgm:txLinClrLst/>
-    <dgm:txFillClrLst/>
-    <dgm:txEffectClrLst/>
-  </dgm:styleLbl>
-  <dgm:styleLbl name="lnNode1">
-    <dgm:fillClrLst meth="repeat">
-      <a:schemeClr val="accent2"/>
-      <a:schemeClr val="accent3"/>
-      <a:schemeClr val="accent4"/>
-      <a:schemeClr val="accent5"/>
-      <a:schemeClr val="accent6"/>
-    </dgm:fillClrLst>
-    <dgm:linClrLst meth="repeat">
-      <a:schemeClr val="lt1"/>
-    </dgm:linClrLst>
-    <dgm:effectClrLst/>
-    <dgm:txLinClrLst/>
-    <dgm:txFillClrLst/>
-    <dgm:txEffectClrLst/>
-  </dgm:styleLbl>
-  <dgm:styleLbl name="vennNode1">
-    <dgm:fillClrLst meth="repeat">
-      <a:schemeClr val="accent2">
-        <a:alpha val="50000"/>
-      </a:schemeClr>
-      <a:schemeClr val="accent3">
-        <a:alpha val="50000"/>
-      </a:schemeClr>
-      <a:schemeClr val="accent4">
-        <a:alpha val="50000"/>
-      </a:schemeClr>
-      <a:schemeClr val="accent5">
-        <a:alpha val="50000"/>
-      </a:schemeClr>
-      <a:schemeClr val="accent6">
-        <a:alpha val="50000"/>
-      </a:schemeClr>
-    </dgm:fillClrLst>
-    <dgm:linClrLst meth="repeat">
-      <a:schemeClr val="lt1"/>
-    </dgm:linClrLst>
-    <dgm:effectClrLst/>
-    <dgm:txLinClrLst/>
-    <dgm:txFillClrLst/>
-    <dgm:txEffectClrLst/>
-  </dgm:styleLbl>
-  <dgm:styleLbl name="node2">
-    <dgm:fillClrLst>
-      <a:schemeClr val="accent2"/>
-    </dgm:fillClrLst>
-    <dgm:linClrLst meth="repeat">
-      <a:schemeClr val="lt1"/>
-    </dgm:linClrLst>
-    <dgm:effectClrLst/>
-    <dgm:txLinClrLst/>
-    <dgm:txFillClrLst/>
-    <dgm:txEffectClrLst/>
-  </dgm:styleLbl>
-  <dgm:styleLbl name="node3">
-    <dgm:fillClrLst>
-      <a:schemeClr val="accent3"/>
-    </dgm:fillClrLst>
-    <dgm:linClrLst meth="repeat">
-      <a:schemeClr val="lt1"/>
-    </dgm:linClrLst>
-    <dgm:effectClrLst/>
-    <dgm:txLinClrLst/>
-    <dgm:txFillClrLst/>
-    <dgm:txEffectClrLst/>
-  </dgm:styleLbl>
-  <dgm:styleLbl name="node4">
-    <dgm:fillClrLst>
-      <a:schemeClr val="accent4"/>
-    </dgm:fillClrLst>
-    <dgm:linClrLst meth="repeat">
-      <a:schemeClr val="lt1"/>
-    </dgm:linClrLst>
-    <dgm:effectClrLst/>
-    <dgm:txLinClrLst/>
-    <dgm:txFillClrLst/>
-    <dgm:txEffectClrLst/>
-  </dgm:styleLbl>
-  <dgm:styleLbl name="fgImgPlace1">
-    <dgm:fillClrLst meth="repeat">
-      <a:schemeClr val="accent2">
-        <a:tint val="50000"/>
-      </a:schemeClr>
-      <a:schemeClr val="accent3">
-        <a:tint val="50000"/>
-      </a:schemeClr>
-      <a:schemeClr val="accent4">
-        <a:tint val="50000"/>
-      </a:schemeClr>
-      <a:schemeClr val="accent5">
-        <a:tint val="50000"/>
-      </a:schemeClr>
-      <a:schemeClr val="accent6">
-        <a:tint val="50000"/>
-      </a:schemeClr>
-    </dgm:fillClrLst>
-    <dgm:linClrLst meth="repeat">
-      <a:schemeClr val="lt1"/>
-    </dgm:linClrLst>
-    <dgm:effectClrLst/>
-    <dgm:txLinClrLst/>
-    <dgm:txFillClrLst meth="repeat">
-      <a:schemeClr val="lt1"/>
-    </dgm:txFillClrLst>
-    <dgm:txEffectClrLst/>
-  </dgm:styleLbl>
-  <dgm:styleLbl name="alignImgPlace1">
-    <dgm:fillClrLst>
-      <a:schemeClr val="accent1">
-        <a:tint val="50000"/>
-      </a:schemeClr>
-      <a:schemeClr val="accent2">
-        <a:tint val="20000"/>
-      </a:schemeClr>
-    </dgm:fillClrLst>
-    <dgm:linClrLst meth="repeat">
-      <a:schemeClr val="lt1"/>
-    </dgm:linClrLst>
-    <dgm:effectClrLst/>
-    <dgm:txLinClrLst/>
-    <dgm:txFillClrLst meth="repeat">
-      <a:schemeClr val="lt1"/>
-    </dgm:txFillClrLst>
-    <dgm:txEffectClrLst/>
-  </dgm:styleLbl>
-  <dgm:styleLbl name="bgImgPlace1">
-    <dgm:fillClrLst>
-      <a:schemeClr val="accent1">
-        <a:tint val="50000"/>
-      </a:schemeClr>
-      <a:schemeClr val="accent2">
-        <a:tint val="20000"/>
-      </a:schemeClr>
-    </dgm:fillClrLst>
-    <dgm:linClrLst meth="repeat">
-      <a:schemeClr val="lt1"/>
-    </dgm:linClrLst>
-    <dgm:effectClrLst/>
-    <dgm:txLinClrLst/>
-    <dgm:txFillClrLst meth="repeat">
-      <a:schemeClr val="lt1"/>
-    </dgm:txFillClrLst>
-    <dgm:txEffectClrLst/>
-  </dgm:styleLbl>
-  <dgm:styleLbl name="sibTrans2D1">
-    <dgm:fillClrLst meth="repeat">
-      <a:schemeClr val="accent2"/>
-      <a:schemeClr val="accent3"/>
-      <a:schemeClr val="accent4"/>
-      <a:schemeClr val="accent5"/>
-      <a:schemeClr val="accent6"/>
-    </dgm:fillClrLst>
-    <dgm:linClrLst meth="cycle">
-      <a:schemeClr val="lt1"/>
-    </dgm:linClrLst>
-    <dgm:effectClrLst/>
-    <dgm:txLinClrLst/>
-    <dgm:txFillClrLst/>
-    <dgm:txEffectClrLst/>
-  </dgm:styleLbl>
-  <dgm:styleLbl name="fgSibTrans2D1">
-    <dgm:fillClrLst meth="repeat">
-      <a:schemeClr val="accent2"/>
-      <a:schemeClr val="accent3"/>
-      <a:schemeClr val="accent4"/>
-      <a:schemeClr val="accent5"/>
-      <a:schemeClr val="accent6"/>
-    </dgm:fillClrLst>
-    <dgm:linClrLst meth="cycle">
-      <a:schemeClr val="lt1"/>
-    </dgm:linClrLst>
-    <dgm:effectClrLst/>
-    <dgm:txLinClrLst/>
-    <dgm:txFillClrLst meth="repeat">
-      <a:schemeClr val="lt1"/>
-    </dgm:txFillClrLst>
-    <dgm:txEffectClrLst/>
-  </dgm:styleLbl>
-  <dgm:styleLbl name="bgSibTrans2D1">
-    <dgm:fillClrLst meth="repeat">
-      <a:schemeClr val="accent2"/>
-      <a:schemeClr val="accent3"/>
-      <a:schemeClr val="accent4"/>
-      <a:schemeClr val="accent5"/>
-      <a:schemeClr val="accent6"/>
-    </dgm:fillClrLst>
-    <dgm:linClrLst meth="cycle">
-      <a:schemeClr val="lt1"/>
-    </dgm:linClrLst>
-    <dgm:effectClrLst/>
-    <dgm:txLinClrLst/>
-    <dgm:txFillClrLst meth="repeat">
-      <a:schemeClr val="lt1"/>
-    </dgm:txFillClrLst>
-    <dgm:txEffectClrLst/>
-  </dgm:styleLbl>
-  <dgm:styleLbl name="sibTrans1D1">
-    <dgm:fillClrLst meth="repeat">
-      <a:schemeClr val="accent2"/>
-      <a:schemeClr val="accent3"/>
-      <a:schemeClr val="accent4"/>
-      <a:schemeClr val="accent5"/>
-      <a:schemeClr val="accent6"/>
-    </dgm:fillClrLst>
-    <dgm:linClrLst meth="repeat">
-      <a:schemeClr val="accent2"/>
-      <a:schemeClr val="accent3"/>
-      <a:schemeClr val="accent4"/>
-      <a:schemeClr val="accent5"/>
-      <a:schemeClr val="accent6"/>
-    </dgm:linClrLst>
-    <dgm:effectClrLst/>
-    <dgm:txLinClrLst/>
-    <dgm:txFillClrLst meth="repeat">
-      <a:schemeClr val="tx1"/>
-    </dgm:txFillClrLst>
-    <dgm:txEffectClrLst/>
-  </dgm:styleLbl>
-  <dgm:styleLbl name="callout">
-    <dgm:fillClrLst meth="repeat">
-      <a:schemeClr val="accent2"/>
-    </dgm:fillClrLst>
-    <dgm:linClrLst meth="repeat">
-      <a:schemeClr val="accent2">
-        <a:tint val="50000"/>
-      </a:schemeClr>
-    </dgm:linClrLst>
-    <dgm:effectClrLst/>
-    <dgm:txLinClrLst/>
-    <dgm:txFillClrLst meth="repeat">
-      <a:schemeClr val="tx1"/>
-    </dgm:txFillClrLst>
-    <dgm:txEffectClrLst/>
-  </dgm:styleLbl>
-  <dgm:styleLbl name="asst0">
-    <dgm:fillClrLst meth="repeat">
-      <a:schemeClr val="accent1"/>
-    </dgm:fillClrLst>
-    <dgm:linClrLst meth="repeat">
-      <a:schemeClr val="lt1"/>
-    </dgm:linClrLst>
-    <dgm:effectClrLst/>
-    <dgm:txLinClrLst/>
-    <dgm:txFillClrLst/>
-    <dgm:txEffectClrLst/>
-  </dgm:styleLbl>
-  <dgm:styleLbl name="asst1">
-    <dgm:fillClrLst meth="repeat">
-      <a:schemeClr val="accent2"/>
-    </dgm:fillClrLst>
-    <dgm:linClrLst meth="repeat">
-      <a:schemeClr val="lt1"/>
-    </dgm:linClrLst>
-    <dgm:effectClrLst/>
-    <dgm:txLinClrLst/>
-    <dgm:txFillClrLst/>
-    <dgm:txEffectClrLst/>
-  </dgm:styleLbl>
-  <dgm:styleLbl name="asst2">
-    <dgm:fillClrLst>
-      <a:schemeClr val="accent3"/>
-    </dgm:fillClrLst>
-    <dgm:linClrLst meth="repeat">
-      <a:schemeClr val="lt1"/>
-    </dgm:linClrLst>
-    <dgm:effectClrLst/>
-    <dgm:txLinClrLst/>
-    <dgm:txFillClrLst/>
-    <dgm:txEffectClrLst/>
-  </dgm:styleLbl>
-  <dgm:styleLbl name="asst3">
-    <dgm:fillClrLst>
-      <a:schemeClr val="accent4"/>
-    </dgm:fillClrLst>
-    <dgm:linClrLst meth="repeat">
-      <a:schemeClr val="lt1"/>
-    </dgm:linClrLst>
-    <dgm:effectClrLst/>
-    <dgm:txLinClrLst/>
-    <dgm:txFillClrLst/>
-    <dgm:txEffectClrLst/>
-  </dgm:styleLbl>
-  <dgm:styleLbl name="asst4">
-    <dgm:fillClrLst>
-      <a:schemeClr val="accent5"/>
-    </dgm:fillClrLst>
-    <dgm:linClrLst meth="repeat">
-      <a:schemeClr val="lt1"/>
-    </dgm:linClrLst>
-    <dgm:effectClrLst/>
-    <dgm:txLinClrLst/>
-    <dgm:txFillClrLst/>
-    <dgm:txEffectClrLst/>
-  </dgm:styleLbl>
-  <dgm:styleLbl name="parChTrans2D1">
-    <dgm:fillClrLst meth="repeat">
-      <a:schemeClr val="accent2"/>
-    </dgm:fillClrLst>
-    <dgm:linClrLst meth="repeat">
-      <a:schemeClr val="lt1"/>
-    </dgm:linClrLst>
-    <dgm:effectClrLst/>
-    <dgm:txLinClrLst/>
-    <dgm:txFillClrLst meth="repeat">
-      <a:schemeClr val="lt1"/>
-    </dgm:txFillClrLst>
-    <dgm:txEffectClrLst/>
-  </dgm:styleLbl>
-  <dgm:styleLbl name="parChTrans2D2">
-    <dgm:fillClrLst meth="repeat">
-      <a:schemeClr val="accent3"/>
-    </dgm:fillClrLst>
-    <dgm:linClrLst meth="repeat">
-      <a:schemeClr val="lt1"/>
-    </dgm:linClrLst>
-    <dgm:effectClrLst/>
-    <dgm:txLinClrLst/>
-    <dgm:txFillClrLst/>
-    <dgm:txEffectClrLst/>
-  </dgm:styleLbl>
-  <dgm:styleLbl name="parChTrans2D3">
-    <dgm:fillClrLst meth="repeat">
-      <a:schemeClr val="accent4"/>
-    </dgm:fillClrLst>
-    <dgm:linClrLst meth="repeat">
-      <a:schemeClr val="lt1"/>
-    </dgm:linClrLst>
-    <dgm:effectClrLst/>
-    <dgm:txLinClrLst/>
-    <dgm:txFillClrLst/>
-    <dgm:txEffectClrLst/>
-  </dgm:styleLbl>
-  <dgm:styleLbl name="parChTrans2D4">
-    <dgm:fillClrLst meth="repeat">
-      <a:schemeClr val="accent5"/>
-    </dgm:fillClrLst>
-    <dgm:linClrLst meth="repeat">
-      <a:schemeClr val="lt1"/>
-    </dgm:linClrLst>
-    <dgm:effectClrLst/>
-    <dgm:txLinClrLst/>
-    <dgm:txFillClrLst meth="repeat">
-      <a:schemeClr val="lt1"/>
-    </dgm:txFillClrLst>
-    <dgm:txEffectClrLst/>
-  </dgm:styleLbl>
-  <dgm:styleLbl name="parChTrans1D1">
-    <dgm:fillClrLst meth="repeat">
-      <a:schemeClr val="accent2"/>
-    </dgm:fillClrLst>
-    <dgm:linClrLst meth="repeat">
-      <a:schemeClr val="accent1"/>
-    </dgm:linClrLst>
-    <dgm:effectClrLst/>
-    <dgm:txLinClrLst/>
-    <dgm:txFillClrLst meth="repeat">
-      <a:schemeClr val="tx1"/>
-    </dgm:txFillClrLst>
-    <dgm:txEffectClrLst/>
-  </dgm:styleLbl>
-  <dgm:styleLbl name="parChTrans1D2">
-    <dgm:fillClrLst meth="repeat">
-      <a:schemeClr val="accent3">
-        <a:tint val="90000"/>
-      </a:schemeClr>
-    </dgm:fillClrLst>
-    <dgm:linClrLst meth="repeat">
-      <a:schemeClr val="accent2"/>
-    </dgm:linClrLst>
-    <dgm:effectClrLst/>
-    <dgm:txLinClrLst/>
-    <dgm:txFillClrLst meth="repeat">
-      <a:schemeClr val="tx1"/>
-    </dgm:txFillClrLst>
-    <dgm:txEffectClrLst/>
-  </dgm:styleLbl>
-  <dgm:styleLbl name="parChTrans1D3">
-    <dgm:fillClrLst meth="repeat">
-      <a:schemeClr val="accent4">
-        <a:tint val="70000"/>
-      </a:schemeClr>
-    </dgm:fillClrLst>
-    <dgm:linClrLst meth="repeat">
-      <a:schemeClr val="accent3"/>
-    </dgm:linClrLst>
-    <dgm:effectClrLst/>
-    <dgm:txLinClrLst/>
-    <dgm:txFillClrLst meth="repeat">
-      <a:schemeClr val="tx1"/>
-    </dgm:txFillClrLst>
-    <dgm:txEffectClrLst/>
-  </dgm:styleLbl>
-  <dgm:styleLbl name="parChTrans1D4">
-    <dgm:fillClrLst meth="repeat">
-      <a:schemeClr val="accent5">
-        <a:tint val="50000"/>
-      </a:schemeClr>
-    </dgm:fillClrLst>
-    <dgm:linClrLst meth="repeat">
-      <a:schemeClr val="accent4"/>
-    </dgm:linClrLst>
-    <dgm:effectClrLst/>
-    <dgm:txLinClrLst/>
-    <dgm:txFillClrLst meth="repeat">
-      <a:schemeClr val="tx1"/>
-    </dgm:txFillClrLst>
-    <dgm:txEffectClrLst/>
-  </dgm:styleLbl>
-  <dgm:styleLbl name="fgAcc1">
-    <dgm:fillClrLst meth="repeat">
-      <a:schemeClr val="lt1">
-        <a:alpha val="90000"/>
-      </a:schemeClr>
-    </dgm:fillClrLst>
-    <dgm:linClrLst meth="repeat">
-      <a:schemeClr val="accent2"/>
-      <a:schemeClr val="accent3"/>
-      <a:schemeClr val="accent4"/>
-      <a:schemeClr val="accent5"/>
-      <a:schemeClr val="accent6"/>
-    </dgm:linClrLst>
-    <dgm:effectClrLst/>
-    <dgm:txLinClrLst/>
-    <dgm:txFillClrLst meth="repeat">
-      <a:schemeClr val="dk1"/>
-    </dgm:txFillClrLst>
-    <dgm:txEffectClrLst/>
-  </dgm:styleLbl>
-  <dgm:styleLbl name="conFgAcc1">
-    <dgm:fillClrLst meth="repeat">
-      <a:schemeClr val="lt1">
-        <a:alpha val="90000"/>
-      </a:schemeClr>
-    </dgm:fillClrLst>
-    <dgm:linClrLst meth="repeat">
-      <a:schemeClr val="accent2"/>
-      <a:schemeClr val="accent3"/>
-      <a:schemeClr val="accent4"/>
-      <a:schemeClr val="accent5"/>
-      <a:schemeClr val="accent6"/>
-    </dgm:linClrLst>
-    <dgm:effectClrLst/>
-    <dgm:txLinClrLst/>
-    <dgm:txFillClrLst meth="repeat">
-      <a:schemeClr val="dk1"/>
-    </dgm:txFillClrLst>
-    <dgm:txEffectClrLst/>
-  </dgm:styleLbl>
-  <dgm:styleLbl name="alignAcc1">
-    <dgm:fillClrLst meth="repeat">
-      <a:schemeClr val="lt1">
-        <a:alpha val="90000"/>
-      </a:schemeClr>
-    </dgm:fillClrLst>
-    <dgm:linClrLst meth="repeat">
-      <a:schemeClr val="accent2"/>
-      <a:schemeClr val="accent3"/>
-      <a:schemeClr val="accent4"/>
-      <a:schemeClr val="accent5"/>
-      <a:schemeClr val="accent6"/>
-    </dgm:linClrLst>
-    <dgm:effectClrLst/>
-    <dgm:txLinClrLst/>
-    <dgm:txFillClrLst meth="repeat">
-      <a:schemeClr val="dk1"/>
-    </dgm:txFillClrLst>
-    <dgm:txEffectClrLst/>
-  </dgm:styleLbl>
-  <dgm:styleLbl name="trAlignAcc1">
-    <dgm:fillClrLst meth="repeat">
-      <a:schemeClr val="lt1">
-        <a:alpha val="40000"/>
-      </a:schemeClr>
-    </dgm:fillClrLst>
-    <dgm:linClrLst meth="repeat">
-      <a:schemeClr val="accent1"/>
-    </dgm:linClrLst>
-    <dgm:effectClrLst/>
-    <dgm:txLinClrLst/>
-    <dgm:txFillClrLst meth="repeat">
-      <a:schemeClr val="dk1"/>
-    </dgm:txFillClrLst>
-    <dgm:txEffectClrLst/>
-  </dgm:styleLbl>
-  <dgm:styleLbl name="bgAcc1">
-    <dgm:fillClrLst meth="repeat">
-      <a:schemeClr val="lt1">
-        <a:alpha val="90000"/>
-      </a:schemeClr>
-    </dgm:fillClrLst>
-    <dgm:linClrLst meth="repeat">
-      <a:schemeClr val="accent2"/>
-      <a:schemeClr val="accent3"/>
-      <a:schemeClr val="accent4"/>
-      <a:schemeClr val="accent5"/>
-      <a:schemeClr val="accent6"/>
-    </dgm:linClrLst>
-    <dgm:effectClrLst/>
-    <dgm:txLinClrLst/>
-    <dgm:txFillClrLst meth="repeat">
-      <a:schemeClr val="dk1"/>
-    </dgm:txFillClrLst>
-    <dgm:txEffectClrLst/>
-  </dgm:styleLbl>
-  <dgm:styleLbl name="solidFgAcc1">
-    <dgm:fillClrLst meth="repeat">
-      <a:schemeClr val="lt1"/>
-    </dgm:fillClrLst>
-    <dgm:linClrLst meth="repeat">
-      <a:schemeClr val="accent2"/>
-      <a:schemeClr val="accent3"/>
-      <a:schemeClr val="accent4"/>
-      <a:schemeClr val="accent5"/>
-      <a:schemeClr val="accent6"/>
-    </dgm:linClrLst>
-    <dgm:effectClrLst/>
-    <dgm:txLinClrLst/>
-    <dgm:txFillClrLst meth="repeat">
-      <a:schemeClr val="dk1"/>
-    </dgm:txFillClrLst>
-    <dgm:txEffectClrLst/>
-  </dgm:styleLbl>
-  <dgm:styleLbl name="solidAlignAcc1">
-    <dgm:fillClrLst meth="repeat">
-      <a:schemeClr val="lt1"/>
-    </dgm:fillClrLst>
-    <dgm:linClrLst meth="repeat">
-      <a:schemeClr val="accent2"/>
-      <a:schemeClr val="accent3"/>
-      <a:schemeClr val="accent4"/>
-      <a:schemeClr val="accent5"/>
-      <a:schemeClr val="accent6"/>
-    </dgm:linClrLst>
-    <dgm:effectClrLst/>
-    <dgm:txLinClrLst/>
-    <dgm:txFillClrLst meth="repeat">
-      <a:schemeClr val="dk1"/>
-    </dgm:txFillClrLst>
-    <dgm:txEffectClrLst/>
-  </dgm:styleLbl>
-  <dgm:styleLbl name="solidBgAcc1">
-    <dgm:fillClrLst meth="repeat">
-      <a:schemeClr val="lt1"/>
-    </dgm:fillClrLst>
-    <dgm:linClrLst meth="repeat">
-      <a:schemeClr val="accent2"/>
-      <a:schemeClr val="accent3"/>
-      <a:schemeClr val="accent4"/>
-      <a:schemeClr val="accent5"/>
-      <a:schemeClr val="accent6"/>
-    </dgm:linClrLst>
-    <dgm:effectClrLst/>
-    <dgm:txLinClrLst/>
-    <dgm:txFillClrLst meth="repeat">
-      <a:schemeClr val="dk1"/>
-    </dgm:txFillClrLst>
-    <dgm:txEffectClrLst/>
-  </dgm:styleLbl>
-  <dgm:styleLbl name="fgAccFollowNode1">
-    <dgm:fillClrLst meth="repeat">
-      <a:schemeClr val="accent2">
-        <a:tint val="40000"/>
-        <a:alpha val="90000"/>
-      </a:schemeClr>
-      <a:schemeClr val="accent3">
-        <a:tint val="40000"/>
-        <a:alpha val="90000"/>
-      </a:schemeClr>
-      <a:schemeClr val="accent4">
-        <a:tint val="40000"/>
-        <a:alpha val="90000"/>
-      </a:schemeClr>
-      <a:schemeClr val="accent5">
-        <a:tint val="40000"/>
-        <a:alpha val="90000"/>
-      </a:schemeClr>
-      <a:schemeClr val="accent6">
-        <a:tint val="40000"/>
-        <a:alpha val="90000"/>
-      </a:schemeClr>
-    </dgm:fillClrLst>
-    <dgm:linClrLst meth="repeat">
-      <a:schemeClr val="accent2">
-        <a:tint val="40000"/>
-        <a:alpha val="90000"/>
-      </a:schemeClr>
-      <a:schemeClr val="accent3">
-        <a:tint val="40000"/>
-        <a:alpha val="90000"/>
-      </a:schemeClr>
-      <a:schemeClr val="accent4">
-        <a:tint val="40000"/>
-        <a:alpha val="90000"/>
-      </a:schemeClr>
-      <a:schemeClr val="accent5">
-        <a:tint val="40000"/>
-        <a:alpha val="90000"/>
-      </a:schemeClr>
-      <a:schemeClr val="accent6">
-        <a:tint val="40000"/>
-        <a:alpha val="90000"/>
-      </a:schemeClr>
-    </dgm:linClrLst>
-    <dgm:effectClrLst/>
-    <dgm:txLinClrLst/>
-    <dgm:txFillClrLst meth="repeat">
-      <a:schemeClr val="dk1"/>
-    </dgm:txFillClrLst>
-    <dgm:txEffectClrLst/>
-  </dgm:styleLbl>
-  <dgm:styleLbl name="alignAccFollowNode1">
-    <dgm:fillClrLst meth="repeat">
-      <a:schemeClr val="accent2">
-        <a:tint val="40000"/>
-        <a:alpha val="90000"/>
-      </a:schemeClr>
-      <a:schemeClr val="accent3">
-        <a:tint val="40000"/>
-        <a:alpha val="90000"/>
-      </a:schemeClr>
-      <a:schemeClr val="accent4">
-        <a:tint val="40000"/>
-        <a:alpha val="90000"/>
-      </a:schemeClr>
-      <a:schemeClr val="accent5">
-        <a:tint val="40000"/>
-        <a:alpha val="90000"/>
-      </a:schemeClr>
-      <a:schemeClr val="accent6">
-        <a:tint val="40000"/>
-        <a:alpha val="90000"/>
-      </a:schemeClr>
-    </dgm:fillClrLst>
-    <dgm:linClrLst meth="repeat">
-      <a:schemeClr val="accent2">
-        <a:tint val="40000"/>
-        <a:alpha val="90000"/>
-      </a:schemeClr>
-      <a:schemeClr val="accent3">
-        <a:tint val="40000"/>
-        <a:alpha val="90000"/>
-      </a:schemeClr>
-      <a:schemeClr val="accent4">
-        <a:tint val="40000"/>
-        <a:alpha val="90000"/>
-      </a:schemeClr>
-      <a:schemeClr val="accent5">
-        <a:tint val="40000"/>
-        <a:alpha val="90000"/>
-      </a:schemeClr>
-      <a:schemeClr val="accent6">
-        <a:tint val="40000"/>
-        <a:alpha val="90000"/>
-      </a:schemeClr>
-    </dgm:linClrLst>
-    <dgm:effectClrLst/>
-    <dgm:txLinClrLst/>
-    <dgm:txFillClrLst meth="repeat">
-      <a:schemeClr val="dk1"/>
-    </dgm:txFillClrLst>
-    <dgm:txEffectClrLst/>
-  </dgm:styleLbl>
-  <dgm:styleLbl name="bgAccFollowNode1">
-    <dgm:fillClrLst meth="repeat">
-      <a:schemeClr val="accent2">
-        <a:tint val="40000"/>
-        <a:alpha val="90000"/>
-      </a:schemeClr>
-      <a:schemeClr val="accent3">
-        <a:tint val="40000"/>
-        <a:alpha val="90000"/>
-      </a:schemeClr>
-      <a:schemeClr val="accent4">
-        <a:tint val="40000"/>
-        <a:alpha val="90000"/>
-      </a:schemeClr>
-      <a:schemeClr val="accent5">
-        <a:tint val="40000"/>
-        <a:alpha val="90000"/>
-      </a:schemeClr>
-      <a:schemeClr val="accent6">
-        <a:tint val="40000"/>
-        <a:alpha val="90000"/>
-      </a:schemeClr>
-    </dgm:fillClrLst>
-    <dgm:linClrLst meth="repeat">
-      <a:schemeClr val="accent2">
-        <a:tint val="40000"/>
-        <a:alpha val="90000"/>
-      </a:schemeClr>
-      <a:schemeClr val="accent3">
-        <a:tint val="40000"/>
-        <a:alpha val="90000"/>
-      </a:schemeClr>
-      <a:schemeClr val="accent4">
-        <a:tint val="40000"/>
-        <a:alpha val="90000"/>
-      </a:schemeClr>
-      <a:schemeClr val="accent5">
-        <a:tint val="40000"/>
-        <a:alpha val="90000"/>
-      </a:schemeClr>
-      <a:schemeClr val="accent6">
-        <a:tint val="40000"/>
-        <a:alpha val="90000"/>
-      </a:schemeClr>
-    </dgm:linClrLst>
-    <dgm:effectClrLst/>
-    <dgm:txLinClrLst/>
-    <dgm:txFillClrLst meth="repeat">
-      <a:schemeClr val="dk1"/>
-    </dgm:txFillClrLst>
-    <dgm:txEffectClrLst/>
-  </dgm:styleLbl>
-  <dgm:styleLbl name="fgAcc0">
-    <dgm:fillClrLst meth="repeat">
-      <a:schemeClr val="lt1">
-        <a:alpha val="90000"/>
-      </a:schemeClr>
-    </dgm:fillClrLst>
-    <dgm:linClrLst>
-      <a:schemeClr val="accent1"/>
-    </dgm:linClrLst>
-    <dgm:effectClrLst/>
-    <dgm:txLinClrLst/>
-    <dgm:txFillClrLst meth="repeat">
-      <a:schemeClr val="dk1"/>
-    </dgm:txFillClrLst>
-    <dgm:txEffectClrLst/>
-  </dgm:styleLbl>
-  <dgm:styleLbl name="fgAcc2">
-    <dgm:fillClrLst meth="repeat">
-      <a:schemeClr val="lt1">
-        <a:alpha val="90000"/>
-      </a:schemeClr>
-    </dgm:fillClrLst>
-    <dgm:linClrLst>
-      <a:schemeClr val="accent2"/>
-    </dgm:linClrLst>
-    <dgm:effectClrLst/>
-    <dgm:txLinClrLst/>
-    <dgm:txFillClrLst meth="repeat">
-      <a:schemeClr val="dk1"/>
-    </dgm:txFillClrLst>
-    <dgm:txEffectClrLst/>
-  </dgm:styleLbl>
-  <dgm:styleLbl name="fgAcc3">
-    <dgm:fillClrLst meth="repeat">
-      <a:schemeClr val="lt1">
-        <a:alpha val="90000"/>
-      </a:schemeClr>
-    </dgm:fillClrLst>
-    <dgm:linClrLst>
-      <a:schemeClr val="accent3"/>
-    </dgm:linClrLst>
-    <dgm:effectClrLst/>
-    <dgm:txLinClrLst/>
-    <dgm:txFillClrLst meth="repeat">
-      <a:schemeClr val="dk1"/>
-    </dgm:txFillClrLst>
-    <dgm:txEffectClrLst/>
-  </dgm:styleLbl>
-  <dgm:styleLbl name="fgAcc4">
-    <dgm:fillClrLst meth="repeat">
-      <a:schemeClr val="lt1">
-        <a:alpha val="90000"/>
-      </a:schemeClr>
-    </dgm:fillClrLst>
-    <dgm:linClrLst>
-      <a:schemeClr val="accent4"/>
-    </dgm:linClrLst>
-    <dgm:effectClrLst/>
-    <dgm:txLinClrLst/>
-    <dgm:txFillClrLst meth="repeat">
-      <a:schemeClr val="dk1"/>
-    </dgm:txFillClrLst>
-    <dgm:txEffectClrLst/>
-  </dgm:styleLbl>
-  <dgm:styleLbl name="bgShp">
-    <dgm:fillClrLst meth="repeat">
-      <a:schemeClr val="accent2"/>
-      <a:schemeClr val="accent3"/>
-      <a:schemeClr val="accent4"/>
-      <a:schemeClr val="accent5"/>
-      <a:schemeClr val="accent6"/>
-    </dgm:fillClrLst>
-    <dgm:linClrLst meth="repeat">
-      <a:schemeClr val="lt1">
-        <a:alpha val="0"/>
-      </a:schemeClr>
-    </dgm:linClrLst>
-    <dgm:effectClrLst/>
-    <dgm:txLinClrLst/>
-    <dgm:txFillClrLst/>
-    <dgm:txEffectClrLst/>
-  </dgm:styleLbl>
-  <dgm:styleLbl name="dkBgShp">
-    <dgm:fillClrLst meth="repeat">
-      <a:schemeClr val="accent2">
-        <a:shade val="90000"/>
-      </a:schemeClr>
-    </dgm:fillClrLst>
-    <dgm:linClrLst meth="repeat">
-      <a:schemeClr val="dk1"/>
-    </dgm:linClrLst>
-    <dgm:effectClrLst/>
-    <dgm:txLinClrLst/>
-    <dgm:txFillClrLst meth="repeat">
-      <a:schemeClr val="lt1"/>
-    </dgm:txFillClrLst>
-    <dgm:txEffectClrLst/>
-  </dgm:styleLbl>
-  <dgm:styleLbl name="trBgShp">
-    <dgm:fillClrLst meth="repeat">
-      <a:schemeClr val="accent1">
-        <a:tint val="50000"/>
-        <a:alpha val="40000"/>
-      </a:schemeClr>
-    </dgm:fillClrLst>
-    <dgm:linClrLst meth="repeat">
-      <a:schemeClr val="accent2"/>
-    </dgm:linClrLst>
-    <dgm:effectClrLst/>
-    <dgm:txLinClrLst/>
-    <dgm:txFillClrLst meth="repeat">
-      <a:schemeClr val="lt1"/>
-    </dgm:txFillClrLst>
-    <dgm:txEffectClrLst/>
-  </dgm:styleLbl>
-  <dgm:styleLbl name="fgShp">
-    <dgm:fillClrLst meth="repeat">
-      <a:schemeClr val="accent2">
-        <a:tint val="40000"/>
-      </a:schemeClr>
-    </dgm:fillClrLst>
-    <dgm:linClrLst meth="repeat">
-      <a:schemeClr val="lt1"/>
-    </dgm:linClrLst>
-    <dgm:effectClrLst/>
-    <dgm:txLinClrLst/>
-    <dgm:txFillClrLst meth="repeat">
-      <a:schemeClr val="dk1"/>
-    </dgm:txFillClrLst>
-    <dgm:txEffectClrLst/>
-  </dgm:styleLbl>
-  <dgm:styleLbl name="revTx">
-    <dgm:fillClrLst meth="repeat">
-      <a:schemeClr val="lt1">
-        <a:alpha val="0"/>
-      </a:schemeClr>
-    </dgm:fillClrLst>
-    <dgm:linClrLst meth="repeat">
-      <a:schemeClr val="dk1">
-        <a:alpha val="0"/>
-      </a:schemeClr>
-    </dgm:linClrLst>
-    <dgm:effectClrLst/>
-    <dgm:txLinClrLst/>
-    <dgm:txFillClrLst meth="repeat">
-      <a:schemeClr val="tx1"/>
-    </dgm:txFillClrLst>
-    <dgm:txEffectClrLst/>
-  </dgm:styleLbl>
-</dgm:colorsDef>
-</file>
-
-<file path=ppt/diagrams/data1.xml><?xml version="1.0" encoding="utf-8"?>
-<dgm:dataModel xmlns:dgm="http://schemas.openxmlformats.org/drawingml/2006/diagram" xmlns:a="http://schemas.openxmlformats.org/drawingml/2006/main">
-  <dgm:ptLst>
-    <dgm:pt modelId="{07CAB663-2110-414C-BA0A-83FC4458DF37}" type="doc">
-      <dgm:prSet loTypeId="urn:microsoft.com/office/officeart/2018/5/layout/IconCircleLabelList" loCatId="icon" qsTypeId="urn:microsoft.com/office/officeart/2005/8/quickstyle/simple1" qsCatId="simple" csTypeId="urn:microsoft.com/office/officeart/2018/5/colors/Iconchunking_neutralicon_colorful1" csCatId="colorful" phldr="1"/>
-      <dgm:spPr/>
-      <dgm:t>
-        <a:bodyPr/>
-        <a:lstStyle/>
-        <a:p>
-          <a:endParaRPr lang="en-US"/>
-        </a:p>
-      </dgm:t>
-    </dgm:pt>
-    <dgm:pt modelId="{15925F4E-9EE9-4196-AC01-E438A33BC0BF}">
-      <dgm:prSet/>
-      <dgm:spPr/>
-      <dgm:t>
-        <a:bodyPr/>
-        <a:lstStyle/>
-        <a:p>
-          <a:pPr>
-            <a:lnSpc>
-              <a:spcPct val="100000"/>
-            </a:lnSpc>
-            <a:defRPr cap="all"/>
-          </a:pPr>
-          <a:r>
-            <a:rPr lang="en-US"/>
-            <a:t>Future Improvements</a:t>
-          </a:r>
-          <a:br>
-            <a:rPr lang="en-US"/>
-          </a:br>
-          <a:endParaRPr lang="en-US"/>
-        </a:p>
-      </dgm:t>
-    </dgm:pt>
-    <dgm:pt modelId="{BBEB3EDA-ABEB-462E-883D-6BDEBB81A636}" type="parTrans" cxnId="{8AFBC403-E549-42A9-B1BB-6078F27704A2}">
-      <dgm:prSet/>
-      <dgm:spPr/>
-      <dgm:t>
-        <a:bodyPr/>
-        <a:lstStyle/>
-        <a:p>
-          <a:endParaRPr lang="en-US"/>
-        </a:p>
-      </dgm:t>
-    </dgm:pt>
-    <dgm:pt modelId="{D6262C0B-5C6B-4ED3-94C9-7837632B6CD0}" type="sibTrans" cxnId="{8AFBC403-E549-42A9-B1BB-6078F27704A2}">
-      <dgm:prSet/>
-      <dgm:spPr/>
-      <dgm:t>
-        <a:bodyPr/>
-        <a:lstStyle/>
-        <a:p>
-          <a:endParaRPr lang="en-US"/>
-        </a:p>
-      </dgm:t>
-    </dgm:pt>
-    <dgm:pt modelId="{3F32C5E6-B4AC-47D1-8DE1-361DFC5AD9A0}">
-      <dgm:prSet/>
-      <dgm:spPr/>
-      <dgm:t>
-        <a:bodyPr/>
-        <a:lstStyle/>
-        <a:p>
-          <a:pPr>
-            <a:lnSpc>
-              <a:spcPct val="100000"/>
-            </a:lnSpc>
-            <a:defRPr cap="all"/>
-          </a:pPr>
-          <a:r>
-            <a:rPr lang="en-US"/>
-            <a:t>Data Cleaning</a:t>
-          </a:r>
-          <a:br>
-            <a:rPr lang="en-US"/>
-          </a:br>
-          <a:endParaRPr lang="en-US"/>
-        </a:p>
-      </dgm:t>
-    </dgm:pt>
-    <dgm:pt modelId="{780F4233-65B9-47C8-B99F-02CAA07B9B3C}" type="parTrans" cxnId="{B71457EB-F27E-4101-A9A3-8DA2E7A9E41C}">
-      <dgm:prSet/>
-      <dgm:spPr/>
-      <dgm:t>
-        <a:bodyPr/>
-        <a:lstStyle/>
-        <a:p>
-          <a:endParaRPr lang="en-US"/>
-        </a:p>
-      </dgm:t>
-    </dgm:pt>
-    <dgm:pt modelId="{991758AE-BA27-4120-9887-76F5E9B0FFAA}" type="sibTrans" cxnId="{B71457EB-F27E-4101-A9A3-8DA2E7A9E41C}">
-      <dgm:prSet/>
-      <dgm:spPr/>
-      <dgm:t>
-        <a:bodyPr/>
-        <a:lstStyle/>
-        <a:p>
-          <a:endParaRPr lang="en-US"/>
-        </a:p>
-      </dgm:t>
-    </dgm:pt>
-    <dgm:pt modelId="{81D5F100-9221-4B82-A537-F59F8D13023D}">
-      <dgm:prSet/>
-      <dgm:spPr/>
-      <dgm:t>
-        <a:bodyPr/>
-        <a:lstStyle/>
-        <a:p>
-          <a:pPr>
-            <a:lnSpc>
-              <a:spcPct val="100000"/>
-            </a:lnSpc>
-            <a:defRPr cap="all"/>
-          </a:pPr>
-          <a:r>
-            <a:rPr lang="en-US"/>
-            <a:t>Auto-scaling Infrastructure</a:t>
-          </a:r>
-        </a:p>
-      </dgm:t>
-    </dgm:pt>
-    <dgm:pt modelId="{9ACD7C6C-39D6-4B75-A700-B3B3BFD4AF8B}" type="parTrans" cxnId="{B73157EE-3DCE-45CA-B92C-37D01A4FC36F}">
-      <dgm:prSet/>
-      <dgm:spPr/>
-      <dgm:t>
-        <a:bodyPr/>
-        <a:lstStyle/>
-        <a:p>
-          <a:endParaRPr lang="en-US"/>
-        </a:p>
-      </dgm:t>
-    </dgm:pt>
-    <dgm:pt modelId="{3757C1A7-0E11-4C50-AD0E-716C8004356B}" type="sibTrans" cxnId="{B73157EE-3DCE-45CA-B92C-37D01A4FC36F}">
-      <dgm:prSet/>
-      <dgm:spPr/>
-      <dgm:t>
-        <a:bodyPr/>
-        <a:lstStyle/>
-        <a:p>
-          <a:endParaRPr lang="en-US"/>
-        </a:p>
-      </dgm:t>
-    </dgm:pt>
-    <dgm:pt modelId="{E18659AE-A9EB-4EB8-86AE-704D908AC246}" type="pres">
-      <dgm:prSet presAssocID="{07CAB663-2110-414C-BA0A-83FC4458DF37}" presName="root" presStyleCnt="0">
-        <dgm:presLayoutVars>
-          <dgm:dir/>
-          <dgm:resizeHandles val="exact"/>
-        </dgm:presLayoutVars>
-      </dgm:prSet>
-      <dgm:spPr/>
-    </dgm:pt>
-    <dgm:pt modelId="{D98E14F1-BDCF-4FAB-B72B-554F91FFEC6B}" type="pres">
-      <dgm:prSet presAssocID="{15925F4E-9EE9-4196-AC01-E438A33BC0BF}" presName="compNode" presStyleCnt="0"/>
-      <dgm:spPr/>
-    </dgm:pt>
-    <dgm:pt modelId="{8360DCB2-1007-4005-99B7-AEBC005632C5}" type="pres">
-      <dgm:prSet presAssocID="{15925F4E-9EE9-4196-AC01-E438A33BC0BF}" presName="iconBgRect" presStyleLbl="bgShp" presStyleIdx="0" presStyleCnt="3"/>
-      <dgm:spPr/>
-    </dgm:pt>
-    <dgm:pt modelId="{79EDC529-0892-44C6-92CA-62157690BA45}" type="pres">
-      <dgm:prSet presAssocID="{15925F4E-9EE9-4196-AC01-E438A33BC0BF}" presName="iconRect" presStyleLbl="node1" presStyleIdx="0" presStyleCnt="3"/>
-      <dgm:spPr>
-        <a:blipFill>
-          <a:blip xmlns:r="http://schemas.openxmlformats.org/officeDocument/2006/relationships" r:embed="rId1">
-            <a:extLst>
-              <a:ext uri="{28A0092B-C50C-407E-A947-70E740481C1C}">
-                <a14:useLocalDpi xmlns:a14="http://schemas.microsoft.com/office/drawing/2010/main" val="0"/>
-              </a:ext>
-              <a:ext uri="{96DAC541-7B7A-43D3-8B79-37D633B846F1}">
-                <asvg:svgBlip xmlns:asvg="http://schemas.microsoft.com/office/drawing/2016/SVG/main" r:embed="rId2"/>
-              </a:ext>
-            </a:extLst>
-          </a:blip>
-          <a:stretch>
-            <a:fillRect/>
-          </a:stretch>
-        </a:blipFill>
-        <a:ln>
-          <a:noFill/>
-        </a:ln>
-      </dgm:spPr>
-      <dgm:extLst>
-        <a:ext uri="{E40237B7-FDA0-4F09-8148-C483321AD2D9}">
-          <dgm14:cNvPr xmlns:dgm14="http://schemas.microsoft.com/office/drawing/2010/diagram" id="0" name="" descr="Upward trend"/>
-        </a:ext>
-      </dgm:extLst>
-    </dgm:pt>
-    <dgm:pt modelId="{9366F805-225E-4719-A381-77618D48087D}" type="pres">
-      <dgm:prSet presAssocID="{15925F4E-9EE9-4196-AC01-E438A33BC0BF}" presName="spaceRect" presStyleCnt="0"/>
-      <dgm:spPr/>
-    </dgm:pt>
-    <dgm:pt modelId="{FFA5D0A1-6F2F-4B40-991C-509DEAD72073}" type="pres">
-      <dgm:prSet presAssocID="{15925F4E-9EE9-4196-AC01-E438A33BC0BF}" presName="textRect" presStyleLbl="revTx" presStyleIdx="0" presStyleCnt="3">
-        <dgm:presLayoutVars>
-          <dgm:chMax val="1"/>
-          <dgm:chPref val="1"/>
-        </dgm:presLayoutVars>
-      </dgm:prSet>
-      <dgm:spPr/>
-    </dgm:pt>
-    <dgm:pt modelId="{0A06142B-58D3-46F7-92E1-40942A5EEF87}" type="pres">
-      <dgm:prSet presAssocID="{D6262C0B-5C6B-4ED3-94C9-7837632B6CD0}" presName="sibTrans" presStyleCnt="0"/>
-      <dgm:spPr/>
-    </dgm:pt>
-    <dgm:pt modelId="{99234700-2D4B-4B9A-864E-DF371E32F127}" type="pres">
-      <dgm:prSet presAssocID="{3F32C5E6-B4AC-47D1-8DE1-361DFC5AD9A0}" presName="compNode" presStyleCnt="0"/>
-      <dgm:spPr/>
-    </dgm:pt>
-    <dgm:pt modelId="{E121232E-33F5-4B55-9113-F7EBFB986915}" type="pres">
-      <dgm:prSet presAssocID="{3F32C5E6-B4AC-47D1-8DE1-361DFC5AD9A0}" presName="iconBgRect" presStyleLbl="bgShp" presStyleIdx="1" presStyleCnt="3"/>
-      <dgm:spPr/>
-    </dgm:pt>
-    <dgm:pt modelId="{E2B943A9-468D-4DC6-8813-513D84D1F953}" type="pres">
-      <dgm:prSet presAssocID="{3F32C5E6-B4AC-47D1-8DE1-361DFC5AD9A0}" presName="iconRect" presStyleLbl="node1" presStyleIdx="1" presStyleCnt="3"/>
-      <dgm:spPr>
-        <a:blipFill>
-          <a:blip xmlns:r="http://schemas.openxmlformats.org/officeDocument/2006/relationships" r:embed="rId3">
-            <a:extLst>
-              <a:ext uri="{28A0092B-C50C-407E-A947-70E740481C1C}">
-                <a14:useLocalDpi xmlns:a14="http://schemas.microsoft.com/office/drawing/2010/main" val="0"/>
-              </a:ext>
-              <a:ext uri="{96DAC541-7B7A-43D3-8B79-37D633B846F1}">
-                <asvg:svgBlip xmlns:asvg="http://schemas.microsoft.com/office/drawing/2016/SVG/main" r:embed="rId4"/>
-              </a:ext>
-            </a:extLst>
-          </a:blip>
-          <a:stretch>
-            <a:fillRect/>
-          </a:stretch>
-        </a:blipFill>
-        <a:ln>
-          <a:noFill/>
-        </a:ln>
-      </dgm:spPr>
-      <dgm:extLst>
-        <a:ext uri="{E40237B7-FDA0-4F09-8148-C483321AD2D9}">
-          <dgm14:cNvPr xmlns:dgm14="http://schemas.microsoft.com/office/drawing/2010/diagram" id="0" name="" descr="Mop and bucket"/>
-        </a:ext>
-      </dgm:extLst>
-    </dgm:pt>
-    <dgm:pt modelId="{3BFA2A1D-D98F-42EA-A119-9B9EA053B59E}" type="pres">
-      <dgm:prSet presAssocID="{3F32C5E6-B4AC-47D1-8DE1-361DFC5AD9A0}" presName="spaceRect" presStyleCnt="0"/>
-      <dgm:spPr/>
-    </dgm:pt>
-    <dgm:pt modelId="{07EBD87A-C2A0-4B57-AE88-340F6EA6C816}" type="pres">
-      <dgm:prSet presAssocID="{3F32C5E6-B4AC-47D1-8DE1-361DFC5AD9A0}" presName="textRect" presStyleLbl="revTx" presStyleIdx="1" presStyleCnt="3">
-        <dgm:presLayoutVars>
-          <dgm:chMax val="1"/>
-          <dgm:chPref val="1"/>
-        </dgm:presLayoutVars>
-      </dgm:prSet>
-      <dgm:spPr/>
-    </dgm:pt>
-    <dgm:pt modelId="{945BFFB1-5CE5-4016-811D-E41A819B994D}" type="pres">
-      <dgm:prSet presAssocID="{991758AE-BA27-4120-9887-76F5E9B0FFAA}" presName="sibTrans" presStyleCnt="0"/>
-      <dgm:spPr/>
-    </dgm:pt>
-    <dgm:pt modelId="{54C8A05F-2B91-4276-83B1-6905F0EDAB66}" type="pres">
-      <dgm:prSet presAssocID="{81D5F100-9221-4B82-A537-F59F8D13023D}" presName="compNode" presStyleCnt="0"/>
-      <dgm:spPr/>
-    </dgm:pt>
-    <dgm:pt modelId="{097CCD6E-45F0-4BFE-834B-AE0E1935520C}" type="pres">
-      <dgm:prSet presAssocID="{81D5F100-9221-4B82-A537-F59F8D13023D}" presName="iconBgRect" presStyleLbl="bgShp" presStyleIdx="2" presStyleCnt="3"/>
-      <dgm:spPr/>
-    </dgm:pt>
-    <dgm:pt modelId="{A941FC35-6D2B-47BF-B335-BA356E9E8569}" type="pres">
-      <dgm:prSet presAssocID="{81D5F100-9221-4B82-A537-F59F8D13023D}" presName="iconRect" presStyleLbl="node1" presStyleIdx="2" presStyleCnt="3"/>
-      <dgm:spPr>
-        <a:blipFill>
-          <a:blip xmlns:r="http://schemas.openxmlformats.org/officeDocument/2006/relationships" r:embed="rId5">
-            <a:extLst>
-              <a:ext uri="{28A0092B-C50C-407E-A947-70E740481C1C}">
-                <a14:useLocalDpi xmlns:a14="http://schemas.microsoft.com/office/drawing/2010/main" val="0"/>
-              </a:ext>
-              <a:ext uri="{96DAC541-7B7A-43D3-8B79-37D633B846F1}">
-                <asvg:svgBlip xmlns:asvg="http://schemas.microsoft.com/office/drawing/2016/SVG/main" r:embed="rId6"/>
-              </a:ext>
-            </a:extLst>
-          </a:blip>
-          <a:stretch>
-            <a:fillRect/>
-          </a:stretch>
-        </a:blipFill>
-        <a:ln>
-          <a:noFill/>
-        </a:ln>
-      </dgm:spPr>
-      <dgm:extLst>
-        <a:ext uri="{E40237B7-FDA0-4F09-8148-C483321AD2D9}">
-          <dgm14:cNvPr xmlns:dgm14="http://schemas.microsoft.com/office/drawing/2010/diagram" id="0" name="" descr="Gears"/>
-        </a:ext>
-      </dgm:extLst>
-    </dgm:pt>
-    <dgm:pt modelId="{D68B82F1-BDAD-4867-A48D-36C6F259AD1A}" type="pres">
-      <dgm:prSet presAssocID="{81D5F100-9221-4B82-A537-F59F8D13023D}" presName="spaceRect" presStyleCnt="0"/>
-      <dgm:spPr/>
-    </dgm:pt>
-    <dgm:pt modelId="{430B823A-9217-429A-A4DA-FFE0F6D9886A}" type="pres">
-      <dgm:prSet presAssocID="{81D5F100-9221-4B82-A537-F59F8D13023D}" presName="textRect" presStyleLbl="revTx" presStyleIdx="2" presStyleCnt="3">
-        <dgm:presLayoutVars>
-          <dgm:chMax val="1"/>
-          <dgm:chPref val="1"/>
-        </dgm:presLayoutVars>
-      </dgm:prSet>
-      <dgm:spPr/>
-    </dgm:pt>
-  </dgm:ptLst>
-  <dgm:cxnLst>
-    <dgm:cxn modelId="{8AFBC403-E549-42A9-B1BB-6078F27704A2}" srcId="{07CAB663-2110-414C-BA0A-83FC4458DF37}" destId="{15925F4E-9EE9-4196-AC01-E438A33BC0BF}" srcOrd="0" destOrd="0" parTransId="{BBEB3EDA-ABEB-462E-883D-6BDEBB81A636}" sibTransId="{D6262C0B-5C6B-4ED3-94C9-7837632B6CD0}"/>
-    <dgm:cxn modelId="{FAC0B365-41E6-4CE4-8DE5-04985885730A}" type="presOf" srcId="{15925F4E-9EE9-4196-AC01-E438A33BC0BF}" destId="{FFA5D0A1-6F2F-4B40-991C-509DEAD72073}" srcOrd="0" destOrd="0" presId="urn:microsoft.com/office/officeart/2018/5/layout/IconCircleLabelList"/>
-    <dgm:cxn modelId="{509094B6-48F3-4707-A9D1-432BD94BACF4}" type="presOf" srcId="{3F32C5E6-B4AC-47D1-8DE1-361DFC5AD9A0}" destId="{07EBD87A-C2A0-4B57-AE88-340F6EA6C816}" srcOrd="0" destOrd="0" presId="urn:microsoft.com/office/officeart/2018/5/layout/IconCircleLabelList"/>
-    <dgm:cxn modelId="{BB602CDF-5DBE-43E6-B105-004EA64FF62E}" type="presOf" srcId="{07CAB663-2110-414C-BA0A-83FC4458DF37}" destId="{E18659AE-A9EB-4EB8-86AE-704D908AC246}" srcOrd="0" destOrd="0" presId="urn:microsoft.com/office/officeart/2018/5/layout/IconCircleLabelList"/>
-    <dgm:cxn modelId="{29606BDF-62E5-41EA-AA46-3DB5B42412DF}" type="presOf" srcId="{81D5F100-9221-4B82-A537-F59F8D13023D}" destId="{430B823A-9217-429A-A4DA-FFE0F6D9886A}" srcOrd="0" destOrd="0" presId="urn:microsoft.com/office/officeart/2018/5/layout/IconCircleLabelList"/>
-    <dgm:cxn modelId="{B71457EB-F27E-4101-A9A3-8DA2E7A9E41C}" srcId="{07CAB663-2110-414C-BA0A-83FC4458DF37}" destId="{3F32C5E6-B4AC-47D1-8DE1-361DFC5AD9A0}" srcOrd="1" destOrd="0" parTransId="{780F4233-65B9-47C8-B99F-02CAA07B9B3C}" sibTransId="{991758AE-BA27-4120-9887-76F5E9B0FFAA}"/>
-    <dgm:cxn modelId="{B73157EE-3DCE-45CA-B92C-37D01A4FC36F}" srcId="{07CAB663-2110-414C-BA0A-83FC4458DF37}" destId="{81D5F100-9221-4B82-A537-F59F8D13023D}" srcOrd="2" destOrd="0" parTransId="{9ACD7C6C-39D6-4B75-A700-B3B3BFD4AF8B}" sibTransId="{3757C1A7-0E11-4C50-AD0E-716C8004356B}"/>
-    <dgm:cxn modelId="{6C133E81-5C83-43A2-83DC-631E690A7351}" type="presParOf" srcId="{E18659AE-A9EB-4EB8-86AE-704D908AC246}" destId="{D98E14F1-BDCF-4FAB-B72B-554F91FFEC6B}" srcOrd="0" destOrd="0" presId="urn:microsoft.com/office/officeart/2018/5/layout/IconCircleLabelList"/>
-    <dgm:cxn modelId="{EEE4B7D5-E10B-4F5B-9626-FA1EC556D6CD}" type="presParOf" srcId="{D98E14F1-BDCF-4FAB-B72B-554F91FFEC6B}" destId="{8360DCB2-1007-4005-99B7-AEBC005632C5}" srcOrd="0" destOrd="0" presId="urn:microsoft.com/office/officeart/2018/5/layout/IconCircleLabelList"/>
-    <dgm:cxn modelId="{16199FB2-F6BA-4E52-BEA0-A5B87F72DF2C}" type="presParOf" srcId="{D98E14F1-BDCF-4FAB-B72B-554F91FFEC6B}" destId="{79EDC529-0892-44C6-92CA-62157690BA45}" srcOrd="1" destOrd="0" presId="urn:microsoft.com/office/officeart/2018/5/layout/IconCircleLabelList"/>
-    <dgm:cxn modelId="{3E86DB3A-81AA-4311-8D22-795BB18A5391}" type="presParOf" srcId="{D98E14F1-BDCF-4FAB-B72B-554F91FFEC6B}" destId="{9366F805-225E-4719-A381-77618D48087D}" srcOrd="2" destOrd="0" presId="urn:microsoft.com/office/officeart/2018/5/layout/IconCircleLabelList"/>
-    <dgm:cxn modelId="{5523365A-2072-499B-AFEA-37F6947C9BBE}" type="presParOf" srcId="{D98E14F1-BDCF-4FAB-B72B-554F91FFEC6B}" destId="{FFA5D0A1-6F2F-4B40-991C-509DEAD72073}" srcOrd="3" destOrd="0" presId="urn:microsoft.com/office/officeart/2018/5/layout/IconCircleLabelList"/>
-    <dgm:cxn modelId="{E4DE2B06-B65A-4F2C-A150-12447DF936DF}" type="presParOf" srcId="{E18659AE-A9EB-4EB8-86AE-704D908AC246}" destId="{0A06142B-58D3-46F7-92E1-40942A5EEF87}" srcOrd="1" destOrd="0" presId="urn:microsoft.com/office/officeart/2018/5/layout/IconCircleLabelList"/>
-    <dgm:cxn modelId="{2B515267-D899-412D-B65F-139FB2594C3A}" type="presParOf" srcId="{E18659AE-A9EB-4EB8-86AE-704D908AC246}" destId="{99234700-2D4B-4B9A-864E-DF371E32F127}" srcOrd="2" destOrd="0" presId="urn:microsoft.com/office/officeart/2018/5/layout/IconCircleLabelList"/>
-    <dgm:cxn modelId="{69B35422-FCD1-49FF-95B1-B66CB1EE9045}" type="presParOf" srcId="{99234700-2D4B-4B9A-864E-DF371E32F127}" destId="{E121232E-33F5-4B55-9113-F7EBFB986915}" srcOrd="0" destOrd="0" presId="urn:microsoft.com/office/officeart/2018/5/layout/IconCircleLabelList"/>
-    <dgm:cxn modelId="{8CBB5482-514E-4DB1-A9D3-F8EE0C134CD1}" type="presParOf" srcId="{99234700-2D4B-4B9A-864E-DF371E32F127}" destId="{E2B943A9-468D-4DC6-8813-513D84D1F953}" srcOrd="1" destOrd="0" presId="urn:microsoft.com/office/officeart/2018/5/layout/IconCircleLabelList"/>
-    <dgm:cxn modelId="{9B78F76F-BE35-4485-B819-E32678395707}" type="presParOf" srcId="{99234700-2D4B-4B9A-864E-DF371E32F127}" destId="{3BFA2A1D-D98F-42EA-A119-9B9EA053B59E}" srcOrd="2" destOrd="0" presId="urn:microsoft.com/office/officeart/2018/5/layout/IconCircleLabelList"/>
-    <dgm:cxn modelId="{3F710A80-3538-4F56-A0AB-E72447EC71BE}" type="presParOf" srcId="{99234700-2D4B-4B9A-864E-DF371E32F127}" destId="{07EBD87A-C2A0-4B57-AE88-340F6EA6C816}" srcOrd="3" destOrd="0" presId="urn:microsoft.com/office/officeart/2018/5/layout/IconCircleLabelList"/>
-    <dgm:cxn modelId="{B90C6327-34CA-4FD9-93A2-DAD329655031}" type="presParOf" srcId="{E18659AE-A9EB-4EB8-86AE-704D908AC246}" destId="{945BFFB1-5CE5-4016-811D-E41A819B994D}" srcOrd="3" destOrd="0" presId="urn:microsoft.com/office/officeart/2018/5/layout/IconCircleLabelList"/>
-    <dgm:cxn modelId="{11EB0BA2-4556-49F1-98AE-2439A7EB0EF8}" type="presParOf" srcId="{E18659AE-A9EB-4EB8-86AE-704D908AC246}" destId="{54C8A05F-2B91-4276-83B1-6905F0EDAB66}" srcOrd="4" destOrd="0" presId="urn:microsoft.com/office/officeart/2018/5/layout/IconCircleLabelList"/>
-    <dgm:cxn modelId="{8C78FDC6-9904-49E2-AC38-A07E0E2C6CB8}" type="presParOf" srcId="{54C8A05F-2B91-4276-83B1-6905F0EDAB66}" destId="{097CCD6E-45F0-4BFE-834B-AE0E1935520C}" srcOrd="0" destOrd="0" presId="urn:microsoft.com/office/officeart/2018/5/layout/IconCircleLabelList"/>
-    <dgm:cxn modelId="{FFB122E5-368F-4909-86A5-33663C9D8B89}" type="presParOf" srcId="{54C8A05F-2B91-4276-83B1-6905F0EDAB66}" destId="{A941FC35-6D2B-47BF-B335-BA356E9E8569}" srcOrd="1" destOrd="0" presId="urn:microsoft.com/office/officeart/2018/5/layout/IconCircleLabelList"/>
-    <dgm:cxn modelId="{69A569E8-9DA8-446A-8052-689F735DF9D9}" type="presParOf" srcId="{54C8A05F-2B91-4276-83B1-6905F0EDAB66}" destId="{D68B82F1-BDAD-4867-A48D-36C6F259AD1A}" srcOrd="2" destOrd="0" presId="urn:microsoft.com/office/officeart/2018/5/layout/IconCircleLabelList"/>
-    <dgm:cxn modelId="{38D2A9C9-61DA-4917-9E8E-FF91D43593DB}" type="presParOf" srcId="{54C8A05F-2B91-4276-83B1-6905F0EDAB66}" destId="{430B823A-9217-429A-A4DA-FFE0F6D9886A}" srcOrd="3" destOrd="0" presId="urn:microsoft.com/office/officeart/2018/5/layout/IconCircleLabelList"/>
-  </dgm:cxnLst>
-  <dgm:bg/>
-  <dgm:whole/>
-  <dgm:extLst>
-    <a:ext uri="http://schemas.microsoft.com/office/drawing/2008/diagram">
-      <dsp:dataModelExt xmlns:dsp="http://schemas.microsoft.com/office/drawing/2008/diagram" relId="rId6" minVer="http://schemas.openxmlformats.org/drawingml/2006/diagram"/>
-    </a:ext>
-  </dgm:extLst>
-</dgm:dataModel>
-</file>
-
-<file path=ppt/diagrams/drawing1.xml><?xml version="1.0" encoding="utf-8"?>
-<dsp:drawing xmlns:dgm="http://schemas.openxmlformats.org/drawingml/2006/diagram" xmlns:dsp="http://schemas.microsoft.com/office/drawing/2008/diagram" xmlns:a="http://schemas.openxmlformats.org/drawingml/2006/main">
-  <dsp:spTree>
-    <dsp:nvGrpSpPr>
-      <dsp:cNvPr id="0" name=""/>
-      <dsp:cNvGrpSpPr/>
-    </dsp:nvGrpSpPr>
-    <dsp:grpSpPr/>
-    <dsp:sp modelId="{8360DCB2-1007-4005-99B7-AEBC005632C5}">
-      <dsp:nvSpPr>
-        <dsp:cNvPr id="0" name=""/>
-        <dsp:cNvSpPr/>
-      </dsp:nvSpPr>
-      <dsp:spPr>
-        <a:xfrm>
-          <a:off x="657900" y="352712"/>
-          <a:ext cx="1990125" cy="1990125"/>
-        </a:xfrm>
-        <a:prstGeom prst="ellipse">
-          <a:avLst/>
-        </a:prstGeom>
-        <a:solidFill>
-          <a:schemeClr val="accent2">
-            <a:hueOff val="0"/>
-            <a:satOff val="0"/>
-            <a:lumOff val="0"/>
-            <a:alphaOff val="0"/>
-          </a:schemeClr>
-        </a:solidFill>
-        <a:ln>
-          <a:noFill/>
-        </a:ln>
-        <a:effectLst/>
-      </dsp:spPr>
-      <dsp:style>
-        <a:lnRef idx="0">
-          <a:scrgbClr r="0" g="0" b="0"/>
-        </a:lnRef>
-        <a:fillRef idx="1">
-          <a:scrgbClr r="0" g="0" b="0"/>
-        </a:fillRef>
-        <a:effectRef idx="0">
-          <a:scrgbClr r="0" g="0" b="0"/>
-        </a:effectRef>
-        <a:fontRef idx="minor"/>
-      </dsp:style>
-    </dsp:sp>
-    <dsp:sp modelId="{79EDC529-0892-44C6-92CA-62157690BA45}">
-      <dsp:nvSpPr>
-        <dsp:cNvPr id="0" name=""/>
-        <dsp:cNvSpPr/>
-      </dsp:nvSpPr>
-      <dsp:spPr>
-        <a:xfrm>
-          <a:off x="1082025" y="776837"/>
-          <a:ext cx="1141875" cy="1141875"/>
-        </a:xfrm>
-        <a:prstGeom prst="rect">
-          <a:avLst/>
-        </a:prstGeom>
-        <a:blipFill>
-          <a:blip xmlns:r="http://schemas.openxmlformats.org/officeDocument/2006/relationships" r:embed="rId1">
-            <a:extLst>
-              <a:ext uri="{28A0092B-C50C-407E-A947-70E740481C1C}">
-                <a14:useLocalDpi xmlns:a14="http://schemas.microsoft.com/office/drawing/2010/main" val="0"/>
-              </a:ext>
-              <a:ext uri="{96DAC541-7B7A-43D3-8B79-37D633B846F1}">
-                <asvg:svgBlip xmlns:asvg="http://schemas.microsoft.com/office/drawing/2016/SVG/main" r:embed="rId2"/>
-              </a:ext>
-            </a:extLst>
-          </a:blip>
-          <a:stretch>
-            <a:fillRect/>
-          </a:stretch>
-        </a:blipFill>
-        <a:ln w="19050" cap="flat" cmpd="sng" algn="ctr">
-          <a:noFill/>
-          <a:prstDash val="solid"/>
-          <a:miter lim="800000"/>
-        </a:ln>
-        <a:effectLst/>
-      </dsp:spPr>
-      <dsp:style>
-        <a:lnRef idx="2">
-          <a:scrgbClr r="0" g="0" b="0"/>
-        </a:lnRef>
-        <a:fillRef idx="1">
-          <a:scrgbClr r="0" g="0" b="0"/>
-        </a:fillRef>
-        <a:effectRef idx="0">
-          <a:scrgbClr r="0" g="0" b="0"/>
-        </a:effectRef>
-        <a:fontRef idx="minor">
-          <a:schemeClr val="lt1"/>
-        </a:fontRef>
-      </dsp:style>
-    </dsp:sp>
-    <dsp:sp modelId="{FFA5D0A1-6F2F-4B40-991C-509DEAD72073}">
-      <dsp:nvSpPr>
-        <dsp:cNvPr id="0" name=""/>
-        <dsp:cNvSpPr/>
-      </dsp:nvSpPr>
-      <dsp:spPr>
-        <a:xfrm>
-          <a:off x="21712" y="2962712"/>
-          <a:ext cx="3262500" cy="720000"/>
-        </a:xfrm>
-        <a:prstGeom prst="rect">
-          <a:avLst/>
-        </a:prstGeom>
-        <a:noFill/>
-        <a:ln>
-          <a:noFill/>
-        </a:ln>
-        <a:effectLst/>
-      </dsp:spPr>
-      <dsp:style>
-        <a:lnRef idx="0">
-          <a:scrgbClr r="0" g="0" b="0"/>
-        </a:lnRef>
-        <a:fillRef idx="0">
-          <a:scrgbClr r="0" g="0" b="0"/>
-        </a:fillRef>
-        <a:effectRef idx="0">
-          <a:scrgbClr r="0" g="0" b="0"/>
-        </a:effectRef>
-        <a:fontRef idx="minor"/>
-      </dsp:style>
-      <dsp:txBody>
-        <a:bodyPr spcFirstLastPara="0" vert="horz" wrap="square" lIns="0" tIns="0" rIns="0" bIns="0" numCol="1" spcCol="1270" anchor="t" anchorCtr="0">
-          <a:noAutofit/>
-        </a:bodyPr>
-        <a:lstStyle/>
-        <a:p>
-          <a:pPr marL="0" lvl="0" indent="0" algn="ctr" defTabSz="1022350">
-            <a:lnSpc>
-              <a:spcPct val="100000"/>
-            </a:lnSpc>
-            <a:spcBef>
-              <a:spcPct val="0"/>
-            </a:spcBef>
-            <a:spcAft>
-              <a:spcPct val="35000"/>
-            </a:spcAft>
-            <a:buNone/>
-            <a:defRPr cap="all"/>
-          </a:pPr>
-          <a:r>
-            <a:rPr lang="en-US" sz="2300" kern="1200"/>
-            <a:t>Future Improvements</a:t>
-          </a:r>
-          <a:br>
-            <a:rPr lang="en-US" sz="2300" kern="1200"/>
-          </a:br>
-          <a:endParaRPr lang="en-US" sz="2300" kern="1200"/>
-        </a:p>
-      </dsp:txBody>
-      <dsp:txXfrm>
-        <a:off x="21712" y="2962712"/>
-        <a:ext cx="3262500" cy="720000"/>
-      </dsp:txXfrm>
-    </dsp:sp>
-    <dsp:sp modelId="{E121232E-33F5-4B55-9113-F7EBFB986915}">
-      <dsp:nvSpPr>
-        <dsp:cNvPr id="0" name=""/>
-        <dsp:cNvSpPr/>
-      </dsp:nvSpPr>
-      <dsp:spPr>
-        <a:xfrm>
-          <a:off x="4491337" y="352712"/>
-          <a:ext cx="1990125" cy="1990125"/>
-        </a:xfrm>
-        <a:prstGeom prst="ellipse">
-          <a:avLst/>
-        </a:prstGeom>
-        <a:solidFill>
-          <a:schemeClr val="accent3">
-            <a:hueOff val="0"/>
-            <a:satOff val="0"/>
-            <a:lumOff val="0"/>
-            <a:alphaOff val="0"/>
-          </a:schemeClr>
-        </a:solidFill>
-        <a:ln>
-          <a:noFill/>
-        </a:ln>
-        <a:effectLst/>
-      </dsp:spPr>
-      <dsp:style>
-        <a:lnRef idx="0">
-          <a:scrgbClr r="0" g="0" b="0"/>
-        </a:lnRef>
-        <a:fillRef idx="1">
-          <a:scrgbClr r="0" g="0" b="0"/>
-        </a:fillRef>
-        <a:effectRef idx="0">
-          <a:scrgbClr r="0" g="0" b="0"/>
-        </a:effectRef>
-        <a:fontRef idx="minor"/>
-      </dsp:style>
-    </dsp:sp>
-    <dsp:sp modelId="{E2B943A9-468D-4DC6-8813-513D84D1F953}">
-      <dsp:nvSpPr>
-        <dsp:cNvPr id="0" name=""/>
-        <dsp:cNvSpPr/>
-      </dsp:nvSpPr>
-      <dsp:spPr>
-        <a:xfrm>
-          <a:off x="4915462" y="776837"/>
-          <a:ext cx="1141875" cy="1141875"/>
-        </a:xfrm>
-        <a:prstGeom prst="rect">
-          <a:avLst/>
-        </a:prstGeom>
-        <a:blipFill>
-          <a:blip xmlns:r="http://schemas.openxmlformats.org/officeDocument/2006/relationships" r:embed="rId3">
-            <a:extLst>
-              <a:ext uri="{28A0092B-C50C-407E-A947-70E740481C1C}">
-                <a14:useLocalDpi xmlns:a14="http://schemas.microsoft.com/office/drawing/2010/main" val="0"/>
-              </a:ext>
-              <a:ext uri="{96DAC541-7B7A-43D3-8B79-37D633B846F1}">
-                <asvg:svgBlip xmlns:asvg="http://schemas.microsoft.com/office/drawing/2016/SVG/main" r:embed="rId4"/>
-              </a:ext>
-            </a:extLst>
-          </a:blip>
-          <a:stretch>
-            <a:fillRect/>
-          </a:stretch>
-        </a:blipFill>
-        <a:ln w="19050" cap="flat" cmpd="sng" algn="ctr">
-          <a:noFill/>
-          <a:prstDash val="solid"/>
-          <a:miter lim="800000"/>
-        </a:ln>
-        <a:effectLst/>
-      </dsp:spPr>
-      <dsp:style>
-        <a:lnRef idx="2">
-          <a:scrgbClr r="0" g="0" b="0"/>
-        </a:lnRef>
-        <a:fillRef idx="1">
-          <a:scrgbClr r="0" g="0" b="0"/>
-        </a:fillRef>
-        <a:effectRef idx="0">
-          <a:scrgbClr r="0" g="0" b="0"/>
-        </a:effectRef>
-        <a:fontRef idx="minor">
-          <a:schemeClr val="lt1"/>
-        </a:fontRef>
-      </dsp:style>
-    </dsp:sp>
-    <dsp:sp modelId="{07EBD87A-C2A0-4B57-AE88-340F6EA6C816}">
-      <dsp:nvSpPr>
-        <dsp:cNvPr id="0" name=""/>
-        <dsp:cNvSpPr/>
-      </dsp:nvSpPr>
-      <dsp:spPr>
-        <a:xfrm>
-          <a:off x="3855150" y="2962712"/>
-          <a:ext cx="3262500" cy="720000"/>
-        </a:xfrm>
-        <a:prstGeom prst="rect">
-          <a:avLst/>
-        </a:prstGeom>
-        <a:noFill/>
-        <a:ln>
-          <a:noFill/>
-        </a:ln>
-        <a:effectLst/>
-      </dsp:spPr>
-      <dsp:style>
-        <a:lnRef idx="0">
-          <a:scrgbClr r="0" g="0" b="0"/>
-        </a:lnRef>
-        <a:fillRef idx="0">
-          <a:scrgbClr r="0" g="0" b="0"/>
-        </a:fillRef>
-        <a:effectRef idx="0">
-          <a:scrgbClr r="0" g="0" b="0"/>
-        </a:effectRef>
-        <a:fontRef idx="minor"/>
-      </dsp:style>
-      <dsp:txBody>
-        <a:bodyPr spcFirstLastPara="0" vert="horz" wrap="square" lIns="0" tIns="0" rIns="0" bIns="0" numCol="1" spcCol="1270" anchor="t" anchorCtr="0">
-          <a:noAutofit/>
-        </a:bodyPr>
-        <a:lstStyle/>
-        <a:p>
-          <a:pPr marL="0" lvl="0" indent="0" algn="ctr" defTabSz="1022350">
-            <a:lnSpc>
-              <a:spcPct val="100000"/>
-            </a:lnSpc>
-            <a:spcBef>
-              <a:spcPct val="0"/>
-            </a:spcBef>
-            <a:spcAft>
-              <a:spcPct val="35000"/>
-            </a:spcAft>
-            <a:buNone/>
-            <a:defRPr cap="all"/>
-          </a:pPr>
-          <a:r>
-            <a:rPr lang="en-US" sz="2300" kern="1200"/>
-            <a:t>Data Cleaning</a:t>
-          </a:r>
-          <a:br>
-            <a:rPr lang="en-US" sz="2300" kern="1200"/>
-          </a:br>
-          <a:endParaRPr lang="en-US" sz="2300" kern="1200"/>
-        </a:p>
-      </dsp:txBody>
-      <dsp:txXfrm>
-        <a:off x="3855150" y="2962712"/>
-        <a:ext cx="3262500" cy="720000"/>
-      </dsp:txXfrm>
-    </dsp:sp>
-    <dsp:sp modelId="{097CCD6E-45F0-4BFE-834B-AE0E1935520C}">
-      <dsp:nvSpPr>
-        <dsp:cNvPr id="0" name=""/>
-        <dsp:cNvSpPr/>
-      </dsp:nvSpPr>
-      <dsp:spPr>
-        <a:xfrm>
-          <a:off x="8324775" y="352712"/>
-          <a:ext cx="1990125" cy="1990125"/>
-        </a:xfrm>
-        <a:prstGeom prst="ellipse">
-          <a:avLst/>
-        </a:prstGeom>
-        <a:solidFill>
-          <a:schemeClr val="accent4">
-            <a:hueOff val="0"/>
-            <a:satOff val="0"/>
-            <a:lumOff val="0"/>
-            <a:alphaOff val="0"/>
-          </a:schemeClr>
-        </a:solidFill>
-        <a:ln>
-          <a:noFill/>
-        </a:ln>
-        <a:effectLst/>
-      </dsp:spPr>
-      <dsp:style>
-        <a:lnRef idx="0">
-          <a:scrgbClr r="0" g="0" b="0"/>
-        </a:lnRef>
-        <a:fillRef idx="1">
-          <a:scrgbClr r="0" g="0" b="0"/>
-        </a:fillRef>
-        <a:effectRef idx="0">
-          <a:scrgbClr r="0" g="0" b="0"/>
-        </a:effectRef>
-        <a:fontRef idx="minor"/>
-      </dsp:style>
-    </dsp:sp>
-    <dsp:sp modelId="{A941FC35-6D2B-47BF-B335-BA356E9E8569}">
-      <dsp:nvSpPr>
-        <dsp:cNvPr id="0" name=""/>
-        <dsp:cNvSpPr/>
-      </dsp:nvSpPr>
-      <dsp:spPr>
-        <a:xfrm>
-          <a:off x="8748900" y="776837"/>
-          <a:ext cx="1141875" cy="1141875"/>
-        </a:xfrm>
-        <a:prstGeom prst="rect">
-          <a:avLst/>
-        </a:prstGeom>
-        <a:blipFill>
-          <a:blip xmlns:r="http://schemas.openxmlformats.org/officeDocument/2006/relationships" r:embed="rId5">
-            <a:extLst>
-              <a:ext uri="{28A0092B-C50C-407E-A947-70E740481C1C}">
-                <a14:useLocalDpi xmlns:a14="http://schemas.microsoft.com/office/drawing/2010/main" val="0"/>
-              </a:ext>
-              <a:ext uri="{96DAC541-7B7A-43D3-8B79-37D633B846F1}">
-                <asvg:svgBlip xmlns:asvg="http://schemas.microsoft.com/office/drawing/2016/SVG/main" r:embed="rId6"/>
-              </a:ext>
-            </a:extLst>
-          </a:blip>
-          <a:stretch>
-            <a:fillRect/>
-          </a:stretch>
-        </a:blipFill>
-        <a:ln w="19050" cap="flat" cmpd="sng" algn="ctr">
-          <a:noFill/>
-          <a:prstDash val="solid"/>
-          <a:miter lim="800000"/>
-        </a:ln>
-        <a:effectLst/>
-      </dsp:spPr>
-      <dsp:style>
-        <a:lnRef idx="2">
-          <a:scrgbClr r="0" g="0" b="0"/>
-        </a:lnRef>
-        <a:fillRef idx="1">
-          <a:scrgbClr r="0" g="0" b="0"/>
-        </a:fillRef>
-        <a:effectRef idx="0">
-          <a:scrgbClr r="0" g="0" b="0"/>
-        </a:effectRef>
-        <a:fontRef idx="minor">
-          <a:schemeClr val="lt1"/>
-        </a:fontRef>
-      </dsp:style>
-    </dsp:sp>
-    <dsp:sp modelId="{430B823A-9217-429A-A4DA-FFE0F6D9886A}">
-      <dsp:nvSpPr>
-        <dsp:cNvPr id="0" name=""/>
-        <dsp:cNvSpPr/>
-      </dsp:nvSpPr>
-      <dsp:spPr>
-        <a:xfrm>
-          <a:off x="7688587" y="2962712"/>
-          <a:ext cx="3262500" cy="720000"/>
-        </a:xfrm>
-        <a:prstGeom prst="rect">
-          <a:avLst/>
-        </a:prstGeom>
-        <a:noFill/>
-        <a:ln>
-          <a:noFill/>
-        </a:ln>
-        <a:effectLst/>
-      </dsp:spPr>
-      <dsp:style>
-        <a:lnRef idx="0">
-          <a:scrgbClr r="0" g="0" b="0"/>
-        </a:lnRef>
-        <a:fillRef idx="0">
-          <a:scrgbClr r="0" g="0" b="0"/>
-        </a:fillRef>
-        <a:effectRef idx="0">
-          <a:scrgbClr r="0" g="0" b="0"/>
-        </a:effectRef>
-        <a:fontRef idx="minor"/>
-      </dsp:style>
-      <dsp:txBody>
-        <a:bodyPr spcFirstLastPara="0" vert="horz" wrap="square" lIns="0" tIns="0" rIns="0" bIns="0" numCol="1" spcCol="1270" anchor="t" anchorCtr="0">
-          <a:noAutofit/>
-        </a:bodyPr>
-        <a:lstStyle/>
-        <a:p>
-          <a:pPr marL="0" lvl="0" indent="0" algn="ctr" defTabSz="1022350">
-            <a:lnSpc>
-              <a:spcPct val="100000"/>
-            </a:lnSpc>
-            <a:spcBef>
-              <a:spcPct val="0"/>
-            </a:spcBef>
-            <a:spcAft>
-              <a:spcPct val="35000"/>
-            </a:spcAft>
-            <a:buNone/>
-            <a:defRPr cap="all"/>
-          </a:pPr>
-          <a:r>
-            <a:rPr lang="en-US" sz="2300" kern="1200"/>
-            <a:t>Auto-scaling Infrastructure</a:t>
-          </a:r>
-        </a:p>
-      </dsp:txBody>
-      <dsp:txXfrm>
-        <a:off x="7688587" y="2962712"/>
-        <a:ext cx="3262500" cy="720000"/>
-      </dsp:txXfrm>
-    </dsp:sp>
-  </dsp:spTree>
-</dsp:drawing>
-</file>
-
-<file path=ppt/diagrams/layout1.xml><?xml version="1.0" encoding="utf-8"?>
-<dgm:layoutDef xmlns:dgm="http://schemas.openxmlformats.org/drawingml/2006/diagram" xmlns:a="http://schemas.openxmlformats.org/drawingml/2006/main" uniqueId="urn:microsoft.com/office/officeart/2018/5/layout/IconCircleLabelList">
-  <dgm:title val="Icon Circle Label List"/>
-  <dgm:desc val="Use to show non-sequential or grouped chunks of information accompanied by a related visuals. Works best with icons or small pictures with short text captions."/>
-  <dgm:catLst>
-    <dgm:cat type="icon" pri="500"/>
-  </dgm:catLst>
-  <dgm:sampData useDef="1">
-    <dgm:dataModel>
-      <dgm:ptLst/>
-      <dgm:bg/>
-      <dgm:whole/>
-    </dgm:dataModel>
-  </dgm:sampData>
-  <dgm:styleData useDef="1">
-    <dgm:dataModel>
-      <dgm:ptLst/>
-      <dgm:bg/>
-      <dgm:whole/>
-    </dgm:dataModel>
-  </dgm:styleData>
-  <dgm:clrData useDef="1">
-    <dgm:dataModel>
-      <dgm:ptLst/>
-      <dgm:bg/>
-      <dgm:whole/>
-    </dgm:dataModel>
-  </dgm:clrData>
-  <dgm:layoutNode name="root">
-    <dgm:varLst>
-      <dgm:dir/>
-      <dgm:resizeHandles val="exact"/>
-    </dgm:varLst>
-    <dgm:choose name="Name0">
-      <dgm:if name="Name1" axis="self" func="var" arg="dir" op="equ" val="norm">
-        <dgm:alg type="snake">
-          <dgm:param type="grDir" val="tL"/>
-          <dgm:param type="flowDir" val="row"/>
-          <dgm:param type="contDir" val="sameDir"/>
-          <dgm:param type="off" val="ctr"/>
-          <dgm:param type="vertAlign" val="mid"/>
-          <dgm:param type="horzAlign" val="ctr"/>
-        </dgm:alg>
-      </dgm:if>
-      <dgm:else name="Name2">
-        <dgm:alg type="snake">
-          <dgm:param type="grDir" val="tR"/>
-          <dgm:param type="flowDir" val="row"/>
-          <dgm:param type="contDir" val="sameDir"/>
-          <dgm:param type="off" val="ctr"/>
-          <dgm:param type="vertAlign" val="mid"/>
-          <dgm:param type="horzAlign" val="ctr"/>
-        </dgm:alg>
-      </dgm:else>
-    </dgm:choose>
-    <dgm:shape xmlns:r="http://schemas.openxmlformats.org/officeDocument/2006/relationships" r:blip="">
-      <dgm:adjLst/>
-    </dgm:shape>
-    <dgm:presOf/>
-    <dgm:choose name="Name3">
-      <dgm:if name="Name4" axis="ch" ptType="node" func="cnt" op="lte" val="2">
-        <dgm:constrLst>
-          <dgm:constr type="h" for="ch" forName="compNode" refType="h" fact="0.4"/>
-          <dgm:constr type="w" for="ch" forName="compNode" val="100"/>
-          <dgm:constr type="w" for="ch" forName="sibTrans" refType="w" refFor="ch" refForName="compNode" fact="0.175"/>
-          <dgm:constr type="sp" refType="w" refFor="ch" refForName="compNode" op="equ" fact="0.25"/>
-          <dgm:constr type="primFontSz" for="des" ptType="node" op="equ" val="44"/>
-          <dgm:constr type="h" for="des" forName="compNode" op="equ"/>
-          <dgm:constr type="h" for="des" forName="textRect" op="equ"/>
-        </dgm:constrLst>
-      </dgm:if>
-      <dgm:if name="Name5" axis="ch" ptType="node" func="cnt" op="lte" val="3">
-        <dgm:constrLst>
-          <dgm:constr type="h" for="ch" forName="compNode" refType="h" fact="0.4"/>
-          <dgm:constr type="w" for="ch" forName="compNode" val="100"/>
-          <dgm:constr type="w" for="ch" forName="sibTrans" refType="w" refFor="ch" refForName="compNode" fact="0.175"/>
-          <dgm:constr type="sp" refType="w" refFor="ch" refForName="compNode" op="equ" fact="0.25"/>
-          <dgm:constr type="primFontSz" for="des" ptType="node" op="equ" val="40"/>
-          <dgm:constr type="h" for="des" forName="compNode" op="equ"/>
-          <dgm:constr type="h" for="des" forName="textRect" op="equ"/>
-        </dgm:constrLst>
-      </dgm:if>
-      <dgm:if name="Name6" axis="ch" ptType="node" func="cnt" op="lte" val="4">
-        <dgm:constrLst>
-          <dgm:constr type="h" for="ch" forName="compNode" refType="h" fact="0.4"/>
-          <dgm:constr type="w" for="ch" forName="compNode" refType="w"/>
-          <dgm:constr type="w" for="ch" forName="sibTrans" refType="w" refFor="ch" refForName="compNode" fact="0.175"/>
-          <dgm:constr type="sp" refType="w" refFor="ch" refForName="compNode" op="equ" fact="0.25"/>
-          <dgm:constr type="primFontSz" for="des" ptType="node" op="equ" val="32"/>
-          <dgm:constr type="h" for="des" forName="compNode" op="equ"/>
-          <dgm:constr type="h" for="des" forName="textRect" op="equ"/>
-        </dgm:constrLst>
-      </dgm:if>
-      <dgm:else name="Name7">
-        <dgm:constrLst>
-          <dgm:constr type="h" for="ch" forName="compNode" refType="h" fact="0.4"/>
-          <dgm:constr type="w" for="ch" forName="compNode" refType="w"/>
-          <dgm:constr type="w" for="ch" forName="sibTrans" refType="w" refFor="ch" refForName="compNode" fact="0.175"/>
-          <dgm:constr type="sp" refType="w" refFor="ch" refForName="compNode" op="equ" fact="0.25"/>
-          <dgm:constr type="primFontSz" for="des" ptType="node" op="equ" val="24"/>
-          <dgm:constr type="h" for="des" forName="compNode" op="equ"/>
-          <dgm:constr type="h" for="des" forName="textRect" op="equ"/>
-        </dgm:constrLst>
-      </dgm:else>
-    </dgm:choose>
-    <dgm:ruleLst>
-      <dgm:rule type="w" for="ch" forName="compNode" val="50" fact="NaN" max="NaN"/>
-    </dgm:ruleLst>
-    <dgm:forEach name="Name8" axis="ch" ptType="node">
-      <dgm:layoutNode name="compNode">
-        <dgm:alg type="composite"/>
-        <dgm:shape xmlns:r="http://schemas.openxmlformats.org/officeDocument/2006/relationships" r:blip="">
-          <dgm:adjLst/>
-        </dgm:shape>
-        <dgm:presOf axis="self"/>
-        <dgm:constrLst>
-          <dgm:constr type="w" for="ch" forName="iconBgRect" refType="w" fact="0.61"/>
-          <dgm:constr type="h" for="ch" forName="iconBgRect" refType="w" refFor="ch" refForName="iconBgRect"/>
-          <dgm:constr type="t" for="ch" forName="iconBgRect"/>
-          <dgm:constr type="ctrX" for="ch" forName="iconBgRect" refType="w" fact="0.5"/>
-          <dgm:constr type="w" for="ch" forName="iconRect" refType="w" fact="0.35"/>
-          <dgm:constr type="h" for="ch" forName="iconRect" refType="w" refFor="ch" refForName="iconRect"/>
-          <dgm:constr type="ctrX" for="ch" forName="iconRect" refType="ctrX" refFor="ch" refForName="iconBgRect"/>
-          <dgm:constr type="ctrY" for="ch" forName="iconRect" refType="ctrY" refFor="ch" refForName="iconBgRect"/>
-          <dgm:constr type="h" for="ch" forName="spaceRect" refType="w" fact="0.19"/>
-          <dgm:constr type="w" for="ch" forName="spaceRect" refType="w"/>
-          <dgm:constr type="l" for="ch" forName="spaceRect"/>
-          <dgm:constr type="t" for="ch" forName="spaceRect" refType="b" refFor="ch" refForName="iconBgRect"/>
-          <dgm:constr type="h" for="ch" forName="textRect" val="20"/>
-          <dgm:constr type="w" for="ch" forName="textRect" refType="w"/>
-          <dgm:constr type="l" for="ch" forName="textRect"/>
-          <dgm:constr type="t" for="ch" forName="textRect" refType="b" refFor="ch" refForName="spaceRect"/>
-        </dgm:constrLst>
-        <dgm:ruleLst>
-          <dgm:rule type="h" val="INF" fact="NaN" max="NaN"/>
-        </dgm:ruleLst>
-        <dgm:layoutNode name="iconBgRect" styleLbl="bgShp">
-          <dgm:alg type="sp"/>
-          <dgm:shape xmlns:r="http://schemas.openxmlformats.org/officeDocument/2006/relationships" type="ellipse" r:blip="">
-            <dgm:adjLst/>
-          </dgm:shape>
-          <dgm:presOf/>
-          <dgm:constrLst/>
-          <dgm:ruleLst/>
-        </dgm:layoutNode>
-        <dgm:layoutNode name="iconRect" styleLbl="node1">
-          <dgm:alg type="sp"/>
-          <dgm:shape xmlns:r="http://schemas.openxmlformats.org/officeDocument/2006/relationships" type="rect" r:blip="" blipPhldr="1">
-            <dgm:adjLst/>
-          </dgm:shape>
-          <dgm:presOf/>
-          <dgm:constrLst/>
-          <dgm:ruleLst/>
-        </dgm:layoutNode>
-        <dgm:layoutNode name="spaceRect">
-          <dgm:alg type="sp"/>
-          <dgm:shape xmlns:r="http://schemas.openxmlformats.org/officeDocument/2006/relationships" r:blip="">
-            <dgm:adjLst/>
-          </dgm:shape>
-          <dgm:presOf/>
-          <dgm:constrLst/>
-          <dgm:ruleLst/>
-        </dgm:layoutNode>
-        <dgm:layoutNode name="textRect" styleLbl="revTx">
-          <dgm:varLst>
-            <dgm:chMax val="1"/>
-            <dgm:chPref val="1"/>
-          </dgm:varLst>
-          <dgm:alg type="tx">
-            <dgm:param type="txAnchorVert" val="t"/>
-          </dgm:alg>
-          <dgm:shape xmlns:r="http://schemas.openxmlformats.org/officeDocument/2006/relationships" type="rect" r:blip="">
-            <dgm:adjLst/>
-          </dgm:shape>
-          <dgm:presOf axis="self" ptType="node"/>
-          <dgm:constrLst>
-            <dgm:constr type="lMarg"/>
-            <dgm:constr type="rMarg"/>
-            <dgm:constr type="tMarg"/>
-            <dgm:constr type="bMarg"/>
-          </dgm:constrLst>
-          <dgm:ruleLst>
-            <dgm:rule type="primFontSz" val="11" fact="NaN" max="NaN"/>
-            <dgm:rule type="h" val="INF" fact="NaN" max="NaN"/>
-          </dgm:ruleLst>
-        </dgm:layoutNode>
-      </dgm:layoutNode>
-      <dgm:forEach name="Name9" axis="followSib" ptType="sibTrans" cnt="1">
-        <dgm:layoutNode name="sibTrans">
-          <dgm:alg type="sp"/>
-          <dgm:shape xmlns:r="http://schemas.openxmlformats.org/officeDocument/2006/relationships" r:blip="">
-            <dgm:adjLst/>
-          </dgm:shape>
-          <dgm:presOf axis="self"/>
-          <dgm:constrLst/>
-          <dgm:ruleLst/>
-        </dgm:layoutNode>
-      </dgm:forEach>
-    </dgm:forEach>
-  </dgm:layoutNode>
-  <dgm:extLst>
-    <a:ext uri="{68A01E43-0DF5-4B5B-8FA6-DAF915123BFB}">
-      <dgm1612:lstStyle xmlns:dgm1612="http://schemas.microsoft.com/office/drawing/2016/12/diagram">
-        <a:lvl1pPr>
-          <a:lnSpc>
-            <a:spcPct val="100000"/>
-          </a:lnSpc>
-          <a:defRPr cap="all"/>
-        </a:lvl1pPr>
-      </dgm1612:lstStyle>
-    </a:ext>
-  </dgm:extLst>
-</dgm:layoutDef>
-</file>
-
-<file path=ppt/diagrams/quickStyle1.xml><?xml version="1.0" encoding="utf-8"?>
-<dgm:styleDef xmlns:dgm="http://schemas.openxmlformats.org/drawingml/2006/diagram" xmlns:a="http://schemas.openxmlformats.org/drawingml/2006/main" uniqueId="urn:microsoft.com/office/officeart/2005/8/quickstyle/simple1">
-  <dgm:title val=""/>
-  <dgm:desc val=""/>
-  <dgm:catLst>
-    <dgm:cat type="simple" pri="10100"/>
-  </dgm:catLst>
-  <dgm:scene3d>
-    <a:camera prst="orthographicFront"/>
-    <a:lightRig rig="threePt" dir="t"/>
-  </dgm:scene3d>
-  <dgm:styleLbl name="node0">
-    <dgm:scene3d>
-      <a:camera prst="orthographicFront"/>
-      <a:lightRig rig="threePt" dir="t"/>
-    </dgm:scene3d>
-    <dgm:sp3d/>
-    <dgm:txPr/>
-    <dgm:style>
-      <a:lnRef idx="2">
-        <a:scrgbClr r="0" g="0" b="0"/>
-      </a:lnRef>
-      <a:fillRef idx="1">
-        <a:scrgbClr r="0" g="0" b="0"/>
-      </a:fillRef>
-      <a:effectRef idx="0">
-        <a:scrgbClr r="0" g="0" b="0"/>
-      </a:effectRef>
-      <a:fontRef idx="minor">
-        <a:schemeClr val="lt1"/>
-      </a:fontRef>
-    </dgm:style>
-  </dgm:styleLbl>
-  <dgm:styleLbl name="lnNode1">
-    <dgm:scene3d>
-      <a:camera prst="orthographicFront"/>
-      <a:lightRig rig="threePt" dir="t"/>
-    </dgm:scene3d>
-    <dgm:sp3d/>
-    <dgm:txPr/>
-    <dgm:style>
-      <a:lnRef idx="2">
-        <a:scrgbClr r="0" g="0" b="0"/>
-      </a:lnRef>
-      <a:fillRef idx="1">
-        <a:scrgbClr r="0" g="0" b="0"/>
-      </a:fillRef>
-      <a:effectRef idx="0">
-        <a:scrgbClr r="0" g="0" b="0"/>
-      </a:effectRef>
-      <a:fontRef idx="minor">
-        <a:schemeClr val="lt1"/>
-      </a:fontRef>
-    </dgm:style>
-  </dgm:styleLbl>
-  <dgm:styleLbl name="vennNode1">
-    <dgm:scene3d>
-      <a:camera prst="orthographicFront"/>
-      <a:lightRig rig="threePt" dir="t"/>
-    </dgm:scene3d>
-    <dgm:sp3d/>
-    <dgm:txPr/>
-    <dgm:style>
-      <a:lnRef idx="2">
-        <a:scrgbClr r="0" g="0" b="0"/>
-      </a:lnRef>
-      <a:fillRef idx="1">
-        <a:scrgbClr r="0" g="0" b="0"/>
-      </a:fillRef>
-      <a:effectRef idx="0">
-        <a:scrgbClr r="0" g="0" b="0"/>
-      </a:effectRef>
-      <a:fontRef idx="minor">
-        <a:schemeClr val="tx1"/>
-      </a:fontRef>
-    </dgm:style>
-  </dgm:styleLbl>
-  <dgm:styleLbl name="alignNode1">
-    <dgm:scene3d>
-      <a:camera prst="orthographicFront"/>
-      <a:lightRig rig="threePt" dir="t"/>
-    </dgm:scene3d>
-    <dgm:sp3d/>
-    <dgm:txPr/>
-    <dgm:style>
-      <a:lnRef idx="2">
-        <a:scrgbClr r="0" g="0" b="0"/>
-      </a:lnRef>
-      <a:fillRef idx="1">
-        <a:scrgbClr r="0" g="0" b="0"/>
-      </a:fillRef>
-      <a:effectRef idx="0">
-        <a:scrgbClr r="0" g="0" b="0"/>
-      </a:effectRef>
-      <a:fontRef idx="minor">
-        <a:schemeClr val="lt1"/>
-      </a:fontRef>
-    </dgm:style>
-  </dgm:styleLbl>
-  <dgm:styleLbl name="node1">
-    <dgm:scene3d>
-      <a:camera prst="orthographicFront"/>
-      <a:lightRig rig="threePt" dir="t"/>
-    </dgm:scene3d>
-    <dgm:sp3d/>
-    <dgm:txPr/>
-    <dgm:style>
-      <a:lnRef idx="2">
-        <a:scrgbClr r="0" g="0" b="0"/>
-      </a:lnRef>
-      <a:fillRef idx="1">
-        <a:scrgbClr r="0" g="0" b="0"/>
-      </a:fillRef>
-      <a:effectRef idx="0">
-        <a:scrgbClr r="0" g="0" b="0"/>
-      </a:effectRef>
-      <a:fontRef idx="minor">
-        <a:schemeClr val="lt1"/>
-      </a:fontRef>
-    </dgm:style>
-  </dgm:styleLbl>
-  <dgm:styleLbl name="node2">
-    <dgm:scene3d>
-      <a:camera prst="orthographicFront"/>
-      <a:lightRig rig="threePt" dir="t"/>
-    </dgm:scene3d>
-    <dgm:sp3d/>
-    <dgm:txPr/>
-    <dgm:style>
-      <a:lnRef idx="2">
-        <a:scrgbClr r="0" g="0" b="0"/>
-      </a:lnRef>
-      <a:fillRef idx="1">
-        <a:scrgbClr r="0" g="0" b="0"/>
-      </a:fillRef>
-      <a:effectRef idx="0">
-        <a:scrgbClr r="0" g="0" b="0"/>
-      </a:effectRef>
-      <a:fontRef idx="minor">
-        <a:schemeClr val="lt1"/>
-      </a:fontRef>
-    </dgm:style>
-  </dgm:styleLbl>
-  <dgm:styleLbl name="node3">
-    <dgm:scene3d>
-      <a:camera prst="orthographicFront"/>
-      <a:lightRig rig="threePt" dir="t"/>
-    </dgm:scene3d>
-    <dgm:sp3d/>
-    <dgm:txPr/>
-    <dgm:style>
-      <a:lnRef idx="2">
-        <a:scrgbClr r="0" g="0" b="0"/>
-      </a:lnRef>
-      <a:fillRef idx="1">
-        <a:scrgbClr r="0" g="0" b="0"/>
-      </a:fillRef>
-      <a:effectRef idx="0">
-        <a:scrgbClr r="0" g="0" b="0"/>
-      </a:effectRef>
-      <a:fontRef idx="minor">
-        <a:schemeClr val="lt1"/>
-      </a:fontRef>
-    </dgm:style>
-  </dgm:styleLbl>
-  <dgm:styleLbl name="node4">
-    <dgm:scene3d>
-      <a:camera prst="orthographicFront"/>
-      <a:lightRig rig="threePt" dir="t"/>
-    </dgm:scene3d>
-    <dgm:sp3d/>
-    <dgm:txPr/>
-    <dgm:style>
-      <a:lnRef idx="2">
-        <a:scrgbClr r="0" g="0" b="0"/>
-      </a:lnRef>
-      <a:fillRef idx="1">
-        <a:scrgbClr r="0" g="0" b="0"/>
-      </a:fillRef>
-      <a:effectRef idx="0">
-        <a:scrgbClr r="0" g="0" b="0"/>
-      </a:effectRef>
-      <a:fontRef idx="minor">
-        <a:schemeClr val="lt1"/>
-      </a:fontRef>
-    </dgm:style>
-  </dgm:styleLbl>
-  <dgm:styleLbl name="fgImgPlace1">
-    <dgm:scene3d>
-      <a:camera prst="orthographicFront"/>
-      <a:lightRig rig="threePt" dir="t"/>
-    </dgm:scene3d>
-    <dgm:sp3d/>
-    <dgm:txPr/>
-    <dgm:style>
-      <a:lnRef idx="2">
-        <a:scrgbClr r="0" g="0" b="0"/>
-      </a:lnRef>
-      <a:fillRef idx="1">
-        <a:scrgbClr r="0" g="0" b="0"/>
-      </a:fillRef>
-      <a:effectRef idx="0">
-        <a:scrgbClr r="0" g="0" b="0"/>
-      </a:effectRef>
-      <a:fontRef idx="minor"/>
-    </dgm:style>
-  </dgm:styleLbl>
-  <dgm:styleLbl name="alignImgPlace1">
-    <dgm:scene3d>
-      <a:camera prst="orthographicFront"/>
-      <a:lightRig rig="threePt" dir="t"/>
-    </dgm:scene3d>
-    <dgm:sp3d/>
-    <dgm:txPr/>
-    <dgm:style>
-      <a:lnRef idx="2">
-        <a:scrgbClr r="0" g="0" b="0"/>
-      </a:lnRef>
-      <a:fillRef idx="1">
-        <a:scrgbClr r="0" g="0" b="0"/>
-      </a:fillRef>
-      <a:effectRef idx="0">
-        <a:scrgbClr r="0" g="0" b="0"/>
-      </a:effectRef>
-      <a:fontRef idx="minor"/>
-    </dgm:style>
-  </dgm:styleLbl>
-  <dgm:styleLbl name="bgImgPlace1">
-    <dgm:scene3d>
-      <a:camera prst="orthographicFront"/>
-      <a:lightRig rig="threePt" dir="t"/>
-    </dgm:scene3d>
-    <dgm:sp3d/>
-    <dgm:txPr/>
-    <dgm:style>
-      <a:lnRef idx="2">
-        <a:scrgbClr r="0" g="0" b="0"/>
-      </a:lnRef>
-      <a:fillRef idx="1">
-        <a:scrgbClr r="0" g="0" b="0"/>
-      </a:fillRef>
-      <a:effectRef idx="0">
-        <a:scrgbClr r="0" g="0" b="0"/>
-      </a:effectRef>
-      <a:fontRef idx="minor"/>
-    </dgm:style>
-  </dgm:styleLbl>
-  <dgm:styleLbl name="sibTrans2D1">
-    <dgm:scene3d>
-      <a:camera prst="orthographicFront"/>
-      <a:lightRig rig="threePt" dir="t"/>
-    </dgm:scene3d>
-    <dgm:sp3d/>
-    <dgm:txPr/>
-    <dgm:style>
-      <a:lnRef idx="0">
-        <a:scrgbClr r="0" g="0" b="0"/>
-      </a:lnRef>
-      <a:fillRef idx="1">
-        <a:scrgbClr r="0" g="0" b="0"/>
-      </a:fillRef>
-      <a:effectRef idx="0">
-        <a:scrgbClr r="0" g="0" b="0"/>
-      </a:effectRef>
-      <a:fontRef idx="minor">
-        <a:schemeClr val="lt1"/>
-      </a:fontRef>
-    </dgm:style>
-  </dgm:styleLbl>
-  <dgm:styleLbl name="fgSibTrans2D1">
-    <dgm:scene3d>
-      <a:camera prst="orthographicFront"/>
-      <a:lightRig rig="threePt" dir="t"/>
-    </dgm:scene3d>
-    <dgm:sp3d/>
-    <dgm:txPr/>
-    <dgm:style>
-      <a:lnRef idx="0">
-        <a:scrgbClr r="0" g="0" b="0"/>
-      </a:lnRef>
-      <a:fillRef idx="1">
-        <a:scrgbClr r="0" g="0" b="0"/>
-      </a:fillRef>
-      <a:effectRef idx="0">
-        <a:scrgbClr r="0" g="0" b="0"/>
-      </a:effectRef>
-      <a:fontRef idx="minor">
-        <a:schemeClr val="lt1"/>
-      </a:fontRef>
-    </dgm:style>
-  </dgm:styleLbl>
-  <dgm:styleLbl name="bgSibTrans2D1">
-    <dgm:scene3d>
-      <a:camera prst="orthographicFront"/>
-      <a:lightRig rig="threePt" dir="t"/>
-    </dgm:scene3d>
-    <dgm:sp3d/>
-    <dgm:txPr/>
-    <dgm:style>
-      <a:lnRef idx="0">
-        <a:scrgbClr r="0" g="0" b="0"/>
-      </a:lnRef>
-      <a:fillRef idx="1">
-        <a:scrgbClr r="0" g="0" b="0"/>
-      </a:fillRef>
-      <a:effectRef idx="0">
-        <a:scrgbClr r="0" g="0" b="0"/>
-      </a:effectRef>
-      <a:fontRef idx="minor">
-        <a:schemeClr val="lt1"/>
-      </a:fontRef>
-    </dgm:style>
-  </dgm:styleLbl>
-  <dgm:styleLbl name="sibTrans1D1">
-    <dgm:scene3d>
-      <a:camera prst="orthographicFront"/>
-      <a:lightRig rig="threePt" dir="t"/>
-    </dgm:scene3d>
-    <dgm:sp3d/>
-    <dgm:txPr/>
-    <dgm:style>
-      <a:lnRef idx="1">
-        <a:scrgbClr r="0" g="0" b="0"/>
-      </a:lnRef>
-      <a:fillRef idx="0">
-        <a:scrgbClr r="0" g="0" b="0"/>
-      </a:fillRef>
-      <a:effectRef idx="0">
-        <a:scrgbClr r="0" g="0" b="0"/>
-      </a:effectRef>
-      <a:fontRef idx="minor"/>
-    </dgm:style>
-  </dgm:styleLbl>
-  <dgm:styleLbl name="callout">
-    <dgm:scene3d>
-      <a:camera prst="orthographicFront"/>
-      <a:lightRig rig="threePt" dir="t"/>
-    </dgm:scene3d>
-    <dgm:sp3d/>
-    <dgm:txPr/>
-    <dgm:style>
-      <a:lnRef idx="2">
-        <a:scrgbClr r="0" g="0" b="0"/>
-      </a:lnRef>
-      <a:fillRef idx="1">
-        <a:scrgbClr r="0" g="0" b="0"/>
-      </a:fillRef>
-      <a:effectRef idx="0">
-        <a:scrgbClr r="0" g="0" b="0"/>
-      </a:effectRef>
-      <a:fontRef idx="minor"/>
-    </dgm:style>
-  </dgm:styleLbl>
-  <dgm:styleLbl name="asst0">
-    <dgm:scene3d>
-      <a:camera prst="orthographicFront"/>
-      <a:lightRig rig="threePt" dir="t"/>
-    </dgm:scene3d>
-    <dgm:sp3d/>
-    <dgm:txPr/>
-    <dgm:style>
-      <a:lnRef idx="2">
-        <a:scrgbClr r="0" g="0" b="0"/>
-      </a:lnRef>
-      <a:fillRef idx="1">
-        <a:scrgbClr r="0" g="0" b="0"/>
-      </a:fillRef>
-      <a:effectRef idx="0">
-        <a:scrgbClr r="0" g="0" b="0"/>
-      </a:effectRef>
-      <a:fontRef idx="minor">
-        <a:schemeClr val="lt1"/>
-      </a:fontRef>
-    </dgm:style>
-  </dgm:styleLbl>
-  <dgm:styleLbl name="asst1">
-    <dgm:scene3d>
-      <a:camera prst="orthographicFront"/>
-      <a:lightRig rig="threePt" dir="t"/>
-    </dgm:scene3d>
-    <dgm:sp3d/>
-    <dgm:txPr/>
-    <dgm:style>
-      <a:lnRef idx="2">
-        <a:scrgbClr r="0" g="0" b="0"/>
-      </a:lnRef>
-      <a:fillRef idx="1">
-        <a:scrgbClr r="0" g="0" b="0"/>
-      </a:fillRef>
-      <a:effectRef idx="0">
-        <a:scrgbClr r="0" g="0" b="0"/>
-      </a:effectRef>
-      <a:fontRef idx="minor">
-        <a:schemeClr val="lt1"/>
-      </a:fontRef>
-    </dgm:style>
-  </dgm:styleLbl>
-  <dgm:styleLbl name="asst2">
-    <dgm:scene3d>
-      <a:camera prst="orthographicFront"/>
-      <a:lightRig rig="threePt" dir="t"/>
-    </dgm:scene3d>
-    <dgm:sp3d/>
-    <dgm:txPr/>
-    <dgm:style>
-      <a:lnRef idx="2">
-        <a:scrgbClr r="0" g="0" b="0"/>
-      </a:lnRef>
-      <a:fillRef idx="1">
-        <a:scrgbClr r="0" g="0" b="0"/>
-      </a:fillRef>
-      <a:effectRef idx="0">
-        <a:scrgbClr r="0" g="0" b="0"/>
-      </a:effectRef>
-      <a:fontRef idx="minor">
-        <a:schemeClr val="lt1"/>
-      </a:fontRef>
-    </dgm:style>
-  </dgm:styleLbl>
-  <dgm:styleLbl name="asst3">
-    <dgm:scene3d>
-      <a:camera prst="orthographicFront"/>
-      <a:lightRig rig="threePt" dir="t"/>
-    </dgm:scene3d>
-    <dgm:sp3d/>
-    <dgm:txPr/>
-    <dgm:style>
-      <a:lnRef idx="2">
-        <a:scrgbClr r="0" g="0" b="0"/>
-      </a:lnRef>
-      <a:fillRef idx="1">
-        <a:scrgbClr r="0" g="0" b="0"/>
-      </a:fillRef>
-      <a:effectRef idx="0">
-        <a:scrgbClr r="0" g="0" b="0"/>
-      </a:effectRef>
-      <a:fontRef idx="minor">
-        <a:schemeClr val="lt1"/>
-      </a:fontRef>
-    </dgm:style>
-  </dgm:styleLbl>
-  <dgm:styleLbl name="asst4">
-    <dgm:scene3d>
-      <a:camera prst="orthographicFront"/>
-      <a:lightRig rig="threePt" dir="t"/>
-    </dgm:scene3d>
-    <dgm:sp3d/>
-    <dgm:txPr/>
-    <dgm:style>
-      <a:lnRef idx="2">
-        <a:scrgbClr r="0" g="0" b="0"/>
-      </a:lnRef>
-      <a:fillRef idx="1">
-        <a:scrgbClr r="0" g="0" b="0"/>
-      </a:fillRef>
-      <a:effectRef idx="0">
-        <a:scrgbClr r="0" g="0" b="0"/>
-      </a:effectRef>
-      <a:fontRef idx="minor">
-        <a:schemeClr val="lt1"/>
-      </a:fontRef>
-    </dgm:style>
-  </dgm:styleLbl>
-  <dgm:styleLbl name="parChTrans2D1">
-    <dgm:scene3d>
-      <a:camera prst="orthographicFront"/>
-      <a:lightRig rig="threePt" dir="t"/>
-    </dgm:scene3d>
-    <dgm:sp3d/>
-    <dgm:txPr/>
-    <dgm:style>
-      <a:lnRef idx="2">
-        <a:scrgbClr r="0" g="0" b="0"/>
-      </a:lnRef>
-      <a:fillRef idx="1">
-        <a:scrgbClr r="0" g="0" b="0"/>
-      </a:fillRef>
-      <a:effectRef idx="0">
-        <a:scrgbClr r="0" g="0" b="0"/>
-      </a:effectRef>
-      <a:fontRef idx="minor">
-        <a:schemeClr val="lt1"/>
-      </a:fontRef>
-    </dgm:style>
-  </dgm:styleLbl>
-  <dgm:styleLbl name="parChTrans2D2">
-    <dgm:scene3d>
-      <a:camera prst="orthographicFront"/>
-      <a:lightRig rig="threePt" dir="t"/>
-    </dgm:scene3d>
-    <dgm:sp3d/>
-    <dgm:txPr/>
-    <dgm:style>
-      <a:lnRef idx="2">
-        <a:scrgbClr r="0" g="0" b="0"/>
-      </a:lnRef>
-      <a:fillRef idx="1">
-        <a:scrgbClr r="0" g="0" b="0"/>
-      </a:fillRef>
-      <a:effectRef idx="0">
-        <a:scrgbClr r="0" g="0" b="0"/>
-      </a:effectRef>
-      <a:fontRef idx="minor">
-        <a:schemeClr val="lt1"/>
-      </a:fontRef>
-    </dgm:style>
-  </dgm:styleLbl>
-  <dgm:styleLbl name="parChTrans2D3">
-    <dgm:scene3d>
-      <a:camera prst="orthographicFront"/>
-      <a:lightRig rig="threePt" dir="t"/>
-    </dgm:scene3d>
-    <dgm:sp3d/>
-    <dgm:txPr/>
-    <dgm:style>
-      <a:lnRef idx="2">
-        <a:scrgbClr r="0" g="0" b="0"/>
-      </a:lnRef>
-      <a:fillRef idx="1">
-        <a:scrgbClr r="0" g="0" b="0"/>
-      </a:fillRef>
-      <a:effectRef idx="0">
-        <a:scrgbClr r="0" g="0" b="0"/>
-      </a:effectRef>
-      <a:fontRef idx="minor">
-        <a:schemeClr val="lt1"/>
-      </a:fontRef>
-    </dgm:style>
-  </dgm:styleLbl>
-  <dgm:styleLbl name="parChTrans2D4">
-    <dgm:scene3d>
-      <a:camera prst="orthographicFront"/>
-      <a:lightRig rig="threePt" dir="t"/>
-    </dgm:scene3d>
-    <dgm:sp3d/>
-    <dgm:txPr/>
-    <dgm:style>
-      <a:lnRef idx="2">
-        <a:scrgbClr r="0" g="0" b="0"/>
-      </a:lnRef>
-      <a:fillRef idx="1">
-        <a:scrgbClr r="0" g="0" b="0"/>
-      </a:fillRef>
-      <a:effectRef idx="0">
-        <a:scrgbClr r="0" g="0" b="0"/>
-      </a:effectRef>
-      <a:fontRef idx="minor">
-        <a:schemeClr val="lt1"/>
-      </a:fontRef>
-    </dgm:style>
-  </dgm:styleLbl>
-  <dgm:styleLbl name="parChTrans1D1">
-    <dgm:scene3d>
-      <a:camera prst="orthographicFront"/>
-      <a:lightRig rig="threePt" dir="t"/>
-    </dgm:scene3d>
-    <dgm:sp3d/>
-    <dgm:txPr/>
-    <dgm:style>
-      <a:lnRef idx="2">
-        <a:scrgbClr r="0" g="0" b="0"/>
-      </a:lnRef>
-      <a:fillRef idx="0">
-        <a:scrgbClr r="0" g="0" b="0"/>
-      </a:fillRef>
-      <a:effectRef idx="0">
-        <a:scrgbClr r="0" g="0" b="0"/>
-      </a:effectRef>
-      <a:fontRef idx="minor"/>
-    </dgm:style>
-  </dgm:styleLbl>
-  <dgm:styleLbl name="parChTrans1D2">
-    <dgm:scene3d>
-      <a:camera prst="orthographicFront"/>
-      <a:lightRig rig="threePt" dir="t"/>
-    </dgm:scene3d>
-    <dgm:sp3d/>
-    <dgm:txPr/>
-    <dgm:style>
-      <a:lnRef idx="2">
-        <a:scrgbClr r="0" g="0" b="0"/>
-      </a:lnRef>
-      <a:fillRef idx="0">
-        <a:scrgbClr r="0" g="0" b="0"/>
-      </a:fillRef>
-      <a:effectRef idx="0">
-        <a:scrgbClr r="0" g="0" b="0"/>
-      </a:effectRef>
-      <a:fontRef idx="minor"/>
-    </dgm:style>
-  </dgm:styleLbl>
-  <dgm:styleLbl name="parChTrans1D3">
-    <dgm:scene3d>
-      <a:camera prst="orthographicFront"/>
-      <a:lightRig rig="threePt" dir="t"/>
-    </dgm:scene3d>
-    <dgm:sp3d/>
-    <dgm:txPr/>
-    <dgm:style>
-      <a:lnRef idx="2">
-        <a:scrgbClr r="0" g="0" b="0"/>
-      </a:lnRef>
-      <a:fillRef idx="0">
-        <a:scrgbClr r="0" g="0" b="0"/>
-      </a:fillRef>
-      <a:effectRef idx="0">
-        <a:scrgbClr r="0" g="0" b="0"/>
-      </a:effectRef>
-      <a:fontRef idx="minor"/>
-    </dgm:style>
-  </dgm:styleLbl>
-  <dgm:styleLbl name="parChTrans1D4">
-    <dgm:scene3d>
-      <a:camera prst="orthographicFront"/>
-      <a:lightRig rig="threePt" dir="t"/>
-    </dgm:scene3d>
-    <dgm:sp3d/>
-    <dgm:txPr/>
-    <dgm:style>
-      <a:lnRef idx="2">
-        <a:scrgbClr r="0" g="0" b="0"/>
-      </a:lnRef>
-      <a:fillRef idx="0">
-        <a:scrgbClr r="0" g="0" b="0"/>
-      </a:fillRef>
-      <a:effectRef idx="0">
-        <a:scrgbClr r="0" g="0" b="0"/>
-      </a:effectRef>
-      <a:fontRef idx="minor"/>
-    </dgm:style>
-  </dgm:styleLbl>
-  <dgm:styleLbl name="fgAcc1">
-    <dgm:scene3d>
-      <a:camera prst="orthographicFront"/>
-      <a:lightRig rig="threePt" dir="t"/>
-    </dgm:scene3d>
-    <dgm:sp3d/>
-    <dgm:txPr/>
-    <dgm:style>
-      <a:lnRef idx="2">
-        <a:scrgbClr r="0" g="0" b="0"/>
-      </a:lnRef>
-      <a:fillRef idx="1">
-        <a:scrgbClr r="0" g="0" b="0"/>
-      </a:fillRef>
-      <a:effectRef idx="0">
-        <a:scrgbClr r="0" g="0" b="0"/>
-      </a:effectRef>
-      <a:fontRef idx="minor"/>
-    </dgm:style>
-  </dgm:styleLbl>
-  <dgm:styleLbl name="conFgAcc1">
-    <dgm:scene3d>
-      <a:camera prst="orthographicFront"/>
-      <a:lightRig rig="threePt" dir="t"/>
-    </dgm:scene3d>
-    <dgm:sp3d/>
-    <dgm:txPr/>
-    <dgm:style>
-      <a:lnRef idx="2">
-        <a:scrgbClr r="0" g="0" b="0"/>
-      </a:lnRef>
-      <a:fillRef idx="1">
-        <a:scrgbClr r="0" g="0" b="0"/>
-      </a:fillRef>
-      <a:effectRef idx="0">
-        <a:scrgbClr r="0" g="0" b="0"/>
-      </a:effectRef>
-      <a:fontRef idx="minor"/>
-    </dgm:style>
-  </dgm:styleLbl>
-  <dgm:styleLbl name="alignAcc1">
-    <dgm:scene3d>
-      <a:camera prst="orthographicFront"/>
-      <a:lightRig rig="threePt" dir="t"/>
-    </dgm:scene3d>
-    <dgm:sp3d/>
-    <dgm:txPr/>
-    <dgm:style>
-      <a:lnRef idx="2">
-        <a:scrgbClr r="0" g="0" b="0"/>
-      </a:lnRef>
-      <a:fillRef idx="1">
-        <a:scrgbClr r="0" g="0" b="0"/>
-      </a:fillRef>
-      <a:effectRef idx="0">
-        <a:scrgbClr r="0" g="0" b="0"/>
-      </a:effectRef>
-      <a:fontRef idx="minor"/>
-    </dgm:style>
-  </dgm:styleLbl>
-  <dgm:styleLbl name="trAlignAcc1">
-    <dgm:scene3d>
-      <a:camera prst="orthographicFront"/>
-      <a:lightRig rig="threePt" dir="t"/>
-    </dgm:scene3d>
-    <dgm:sp3d/>
-    <dgm:txPr/>
-    <dgm:style>
-      <a:lnRef idx="1">
-        <a:scrgbClr r="0" g="0" b="0"/>
-      </a:lnRef>
-      <a:fillRef idx="1">
-        <a:scrgbClr r="0" g="0" b="0"/>
-      </a:fillRef>
-      <a:effectRef idx="0">
-        <a:scrgbClr r="0" g="0" b="0"/>
-      </a:effectRef>
-      <a:fontRef idx="minor"/>
-    </dgm:style>
-  </dgm:styleLbl>
-  <dgm:styleLbl name="bgAcc1">
-    <dgm:scene3d>
-      <a:camera prst="orthographicFront"/>
-      <a:lightRig rig="threePt" dir="t"/>
-    </dgm:scene3d>
-    <dgm:sp3d/>
-    <dgm:txPr/>
-    <dgm:style>
-      <a:lnRef idx="2">
-        <a:scrgbClr r="0" g="0" b="0"/>
-      </a:lnRef>
-      <a:fillRef idx="1">
-        <a:scrgbClr r="0" g="0" b="0"/>
-      </a:fillRef>
-      <a:effectRef idx="0">
-        <a:scrgbClr r="0" g="0" b="0"/>
-      </a:effectRef>
-      <a:fontRef idx="minor"/>
-    </dgm:style>
-  </dgm:styleLbl>
-  <dgm:styleLbl name="solidFgAcc1">
-    <dgm:scene3d>
-      <a:camera prst="orthographicFront"/>
-      <a:lightRig rig="threePt" dir="t"/>
-    </dgm:scene3d>
-    <dgm:sp3d/>
-    <dgm:txPr/>
-    <dgm:style>
-      <a:lnRef idx="2">
-        <a:scrgbClr r="0" g="0" b="0"/>
-      </a:lnRef>
-      <a:fillRef idx="1">
-        <a:scrgbClr r="0" g="0" b="0"/>
-      </a:fillRef>
-      <a:effectRef idx="0">
-        <a:scrgbClr r="0" g="0" b="0"/>
-      </a:effectRef>
-      <a:fontRef idx="minor"/>
-    </dgm:style>
-  </dgm:styleLbl>
-  <dgm:styleLbl name="solidAlignAcc1">
-    <dgm:scene3d>
-      <a:camera prst="orthographicFront"/>
-      <a:lightRig rig="threePt" dir="t"/>
-    </dgm:scene3d>
-    <dgm:sp3d/>
-    <dgm:txPr/>
-    <dgm:style>
-      <a:lnRef idx="2">
-        <a:scrgbClr r="0" g="0" b="0"/>
-      </a:lnRef>
-      <a:fillRef idx="1">
-        <a:scrgbClr r="0" g="0" b="0"/>
-      </a:fillRef>
-      <a:effectRef idx="0">
-        <a:scrgbClr r="0" g="0" b="0"/>
-      </a:effectRef>
-      <a:fontRef idx="minor"/>
-    </dgm:style>
-  </dgm:styleLbl>
-  <dgm:styleLbl name="solidBgAcc1">
-    <dgm:scene3d>
-      <a:camera prst="orthographicFront"/>
-      <a:lightRig rig="threePt" dir="t"/>
-    </dgm:scene3d>
-    <dgm:sp3d/>
-    <dgm:txPr/>
-    <dgm:style>
-      <a:lnRef idx="2">
-        <a:scrgbClr r="0" g="0" b="0"/>
-      </a:lnRef>
-      <a:fillRef idx="1">
-        <a:scrgbClr r="0" g="0" b="0"/>
-      </a:fillRef>
-      <a:effectRef idx="0">
-        <a:scrgbClr r="0" g="0" b="0"/>
-      </a:effectRef>
-      <a:fontRef idx="minor"/>
-    </dgm:style>
-  </dgm:styleLbl>
-  <dgm:styleLbl name="fgAccFollowNode1">
-    <dgm:scene3d>
-      <a:camera prst="orthographicFront"/>
-      <a:lightRig rig="threePt" dir="t"/>
-    </dgm:scene3d>
-    <dgm:sp3d/>
-    <dgm:txPr/>
-    <dgm:style>
-      <a:lnRef idx="2">
-        <a:scrgbClr r="0" g="0" b="0"/>
-      </a:lnRef>
-      <a:fillRef idx="1">
-        <a:scrgbClr r="0" g="0" b="0"/>
-      </a:fillRef>
-      <a:effectRef idx="0">
-        <a:scrgbClr r="0" g="0" b="0"/>
-      </a:effectRef>
-      <a:fontRef idx="minor"/>
-    </dgm:style>
-  </dgm:styleLbl>
-  <dgm:styleLbl name="alignAccFollowNode1">
-    <dgm:scene3d>
-      <a:camera prst="orthographicFront"/>
-      <a:lightRig rig="threePt" dir="t"/>
-    </dgm:scene3d>
-    <dgm:sp3d/>
-    <dgm:txPr/>
-    <dgm:style>
-      <a:lnRef idx="2">
-        <a:scrgbClr r="0" g="0" b="0"/>
-      </a:lnRef>
-      <a:fillRef idx="1">
-        <a:scrgbClr r="0" g="0" b="0"/>
-      </a:fillRef>
-      <a:effectRef idx="0">
-        <a:scrgbClr r="0" g="0" b="0"/>
-      </a:effectRef>
-      <a:fontRef idx="minor"/>
-    </dgm:style>
-  </dgm:styleLbl>
-  <dgm:styleLbl name="bgAccFollowNode1">
-    <dgm:scene3d>
-      <a:camera prst="orthographicFront"/>
-      <a:lightRig rig="threePt" dir="t"/>
-    </dgm:scene3d>
-    <dgm:sp3d/>
-    <dgm:txPr/>
-    <dgm:style>
-      <a:lnRef idx="2">
-        <a:scrgbClr r="0" g="0" b="0"/>
-      </a:lnRef>
-      <a:fillRef idx="1">
-        <a:scrgbClr r="0" g="0" b="0"/>
-      </a:fillRef>
-      <a:effectRef idx="0">
-        <a:scrgbClr r="0" g="0" b="0"/>
-      </a:effectRef>
-      <a:fontRef idx="minor"/>
-    </dgm:style>
-  </dgm:styleLbl>
-  <dgm:styleLbl name="fgAcc0">
-    <dgm:scene3d>
-      <a:camera prst="orthographicFront"/>
-      <a:lightRig rig="threePt" dir="t"/>
-    </dgm:scene3d>
-    <dgm:sp3d/>
-    <dgm:txPr/>
-    <dgm:style>
-      <a:lnRef idx="2">
-        <a:scrgbClr r="0" g="0" b="0"/>
-      </a:lnRef>
-      <a:fillRef idx="1">
-        <a:scrgbClr r="0" g="0" b="0"/>
-      </a:fillRef>
-      <a:effectRef idx="0">
-        <a:scrgbClr r="0" g="0" b="0"/>
-      </a:effectRef>
-      <a:fontRef idx="minor"/>
-    </dgm:style>
-  </dgm:styleLbl>
-  <dgm:styleLbl name="fgAcc2">
-    <dgm:scene3d>
-      <a:camera prst="orthographicFront"/>
-      <a:lightRig rig="threePt" dir="t"/>
-    </dgm:scene3d>
-    <dgm:sp3d/>
-    <dgm:txPr/>
-    <dgm:style>
-      <a:lnRef idx="2">
-        <a:scrgbClr r="0" g="0" b="0"/>
-      </a:lnRef>
-      <a:fillRef idx="1">
-        <a:scrgbClr r="0" g="0" b="0"/>
-      </a:fillRef>
-      <a:effectRef idx="0">
-        <a:scrgbClr r="0" g="0" b="0"/>
-      </a:effectRef>
-      <a:fontRef idx="minor"/>
-    </dgm:style>
-  </dgm:styleLbl>
-  <dgm:styleLbl name="fgAcc3">
-    <dgm:scene3d>
-      <a:camera prst="orthographicFront"/>
-      <a:lightRig rig="threePt" dir="t"/>
-    </dgm:scene3d>
-    <dgm:sp3d/>
-    <dgm:txPr/>
-    <dgm:style>
-      <a:lnRef idx="2">
-        <a:scrgbClr r="0" g="0" b="0"/>
-      </a:lnRef>
-      <a:fillRef idx="1">
-        <a:scrgbClr r="0" g="0" b="0"/>
-      </a:fillRef>
-      <a:effectRef idx="0">
-        <a:scrgbClr r="0" g="0" b="0"/>
-      </a:effectRef>
-      <a:fontRef idx="minor"/>
-    </dgm:style>
-  </dgm:styleLbl>
-  <dgm:styleLbl name="fgAcc4">
-    <dgm:scene3d>
-      <a:camera prst="orthographicFront"/>
-      <a:lightRig rig="threePt" dir="t"/>
-    </dgm:scene3d>
-    <dgm:sp3d/>
-    <dgm:txPr/>
-    <dgm:style>
-      <a:lnRef idx="2">
-        <a:scrgbClr r="0" g="0" b="0"/>
-      </a:lnRef>
-      <a:fillRef idx="1">
-        <a:scrgbClr r="0" g="0" b="0"/>
-      </a:fillRef>
-      <a:effectRef idx="0">
-        <a:scrgbClr r="0" g="0" b="0"/>
-      </a:effectRef>
-      <a:fontRef idx="minor"/>
-    </dgm:style>
-  </dgm:styleLbl>
-  <dgm:styleLbl name="bgShp">
-    <dgm:scene3d>
-      <a:camera prst="orthographicFront"/>
-      <a:lightRig rig="threePt" dir="t"/>
-    </dgm:scene3d>
-    <dgm:sp3d/>
-    <dgm:txPr/>
-    <dgm:style>
-      <a:lnRef idx="0">
-        <a:scrgbClr r="0" g="0" b="0"/>
-      </a:lnRef>
-      <a:fillRef idx="1">
-        <a:scrgbClr r="0" g="0" b="0"/>
-      </a:fillRef>
-      <a:effectRef idx="0">
-        <a:scrgbClr r="0" g="0" b="0"/>
-      </a:effectRef>
-      <a:fontRef idx="minor"/>
-    </dgm:style>
-  </dgm:styleLbl>
-  <dgm:styleLbl name="dkBgShp">
-    <dgm:scene3d>
-      <a:camera prst="orthographicFront"/>
-      <a:lightRig rig="threePt" dir="t"/>
-    </dgm:scene3d>
-    <dgm:sp3d/>
-    <dgm:txPr/>
-    <dgm:style>
-      <a:lnRef idx="0">
-        <a:scrgbClr r="0" g="0" b="0"/>
-      </a:lnRef>
-      <a:fillRef idx="1">
-        <a:scrgbClr r="0" g="0" b="0"/>
-      </a:fillRef>
-      <a:effectRef idx="0">
-        <a:scrgbClr r="0" g="0" b="0"/>
-      </a:effectRef>
-      <a:fontRef idx="minor"/>
-    </dgm:style>
-  </dgm:styleLbl>
-  <dgm:styleLbl name="trBgShp">
-    <dgm:scene3d>
-      <a:camera prst="orthographicFront"/>
-      <a:lightRig rig="threePt" dir="t"/>
-    </dgm:scene3d>
-    <dgm:sp3d/>
-    <dgm:txPr/>
-    <dgm:style>
-      <a:lnRef idx="0">
-        <a:scrgbClr r="0" g="0" b="0"/>
-      </a:lnRef>
-      <a:fillRef idx="1">
-        <a:scrgbClr r="0" g="0" b="0"/>
-      </a:fillRef>
-      <a:effectRef idx="0">
-        <a:scrgbClr r="0" g="0" b="0"/>
-      </a:effectRef>
-      <a:fontRef idx="minor"/>
-    </dgm:style>
-  </dgm:styleLbl>
-  <dgm:styleLbl name="fgShp">
-    <dgm:scene3d>
-      <a:camera prst="orthographicFront"/>
-      <a:lightRig rig="threePt" dir="t"/>
-    </dgm:scene3d>
-    <dgm:sp3d/>
-    <dgm:txPr/>
-    <dgm:style>
-      <a:lnRef idx="2">
-        <a:scrgbClr r="0" g="0" b="0"/>
-      </a:lnRef>
-      <a:fillRef idx="1">
-        <a:scrgbClr r="0" g="0" b="0"/>
-      </a:fillRef>
-      <a:effectRef idx="0">
-        <a:scrgbClr r="0" g="0" b="0"/>
-      </a:effectRef>
-      <a:fontRef idx="minor"/>
-    </dgm:style>
-  </dgm:styleLbl>
-  <dgm:styleLbl name="revTx">
-    <dgm:scene3d>
-      <a:camera prst="orthographicFront"/>
-      <a:lightRig rig="threePt" dir="t"/>
-    </dgm:scene3d>
-    <dgm:sp3d/>
-    <dgm:txPr/>
-    <dgm:style>
-      <a:lnRef idx="0">
-        <a:scrgbClr r="0" g="0" b="0"/>
-      </a:lnRef>
-      <a:fillRef idx="0">
-        <a:scrgbClr r="0" g="0" b="0"/>
-      </a:fillRef>
-      <a:effectRef idx="0">
-        <a:scrgbClr r="0" g="0" b="0"/>
-      </a:effectRef>
-      <a:fontRef idx="minor"/>
-    </dgm:style>
-  </dgm:styleLbl>
-</dgm:styleDef>
 </file>
 
 <file path=ppt/slideLayouts/slideLayout1.xml><?xml version="1.0" encoding="utf-8"?>
@@ -6294,400 +3304,6 @@
       </p:grpSpPr>
       <p:sp useBgFill="1">
         <p:nvSpPr>
-          <p:cNvPr id="9" name="Slide Background">
-            <a:extLst>
-              <a:ext uri="{FF2B5EF4-FFF2-40B4-BE49-F238E27FC236}">
-                <a16:creationId xmlns:a16="http://schemas.microsoft.com/office/drawing/2014/main" id="{9F7D5CDA-D291-4307-BF55-1381FED29634}"/>
-              </a:ext>
-              <a:ext uri="{C183D7F6-B498-43B3-948B-1728B52AA6E4}">
-                <adec:decorative xmlns:adec="http://schemas.microsoft.com/office/drawing/2017/decorative" val="1"/>
-              </a:ext>
-            </a:extLst>
-          </p:cNvPr>
-          <p:cNvSpPr>
-            <a:spLocks noGrp="1" noRot="1" noChangeAspect="1" noMove="1" noResize="1" noEditPoints="1" noAdjustHandles="1" noChangeArrowheads="1" noChangeShapeType="1" noTextEdit="1"/>
-          </p:cNvSpPr>
-          <p:nvPr>
-            <p:extLst>
-              <p:ext uri="{386F3935-93C4-4BCD-93E2-E3B085C9AB24}">
-                <p16:designElem xmlns:p16="http://schemas.microsoft.com/office/powerpoint/2015/main" val="1"/>
-              </p:ext>
-            </p:extLst>
-          </p:nvPr>
-        </p:nvSpPr>
-        <p:spPr>
-          <a:xfrm>
-            <a:off x="0" y="0"/>
-            <a:ext cx="12192000" cy="6858000"/>
-          </a:xfrm>
-          <a:prstGeom prst="rect">
-            <a:avLst/>
-          </a:prstGeom>
-          <a:ln>
-            <a:noFill/>
-          </a:ln>
-        </p:spPr>
-        <p:style>
-          <a:lnRef idx="2">
-            <a:schemeClr val="accent1">
-              <a:shade val="50000"/>
-            </a:schemeClr>
-          </a:lnRef>
-          <a:fillRef idx="1">
-            <a:schemeClr val="accent1"/>
-          </a:fillRef>
-          <a:effectRef idx="0">
-            <a:schemeClr val="accent1"/>
-          </a:effectRef>
-          <a:fontRef idx="minor">
-            <a:schemeClr val="lt1"/>
-          </a:fontRef>
-        </p:style>
-        <p:txBody>
-          <a:bodyPr rtlCol="0" anchor="ctr"/>
-          <a:lstStyle/>
-          <a:p>
-            <a:pPr algn="ctr"/>
-            <a:endParaRPr lang="en-US"/>
-          </a:p>
-        </p:txBody>
-      </p:sp>
-      <p:sp>
-        <p:nvSpPr>
-          <p:cNvPr id="2" name="Title 1">
-            <a:extLst>
-              <a:ext uri="{FF2B5EF4-FFF2-40B4-BE49-F238E27FC236}">
-                <a16:creationId xmlns:a16="http://schemas.microsoft.com/office/drawing/2014/main" id="{FA52A9F7-948D-B273-9C8F-C73170C43783}"/>
-              </a:ext>
-            </a:extLst>
-          </p:cNvPr>
-          <p:cNvSpPr>
-            <a:spLocks noGrp="1"/>
-          </p:cNvSpPr>
-          <p:nvPr>
-            <p:ph type="title"/>
-          </p:nvPr>
-        </p:nvSpPr>
-        <p:spPr>
-          <a:xfrm>
-            <a:off x="464917" y="376053"/>
-            <a:ext cx="2800795" cy="1035307"/>
-          </a:xfrm>
-        </p:spPr>
-        <p:txBody>
-          <a:bodyPr anchor="ctr">
-            <a:normAutofit/>
-          </a:bodyPr>
-          <a:lstStyle/>
-          <a:p>
-            <a:r>
-              <a:rPr lang="en-US" sz="4000">
-                <a:cs typeface="Posterama"/>
-              </a:rPr>
-              <a:t>Short Quiz!</a:t>
-            </a:r>
-            <a:endParaRPr lang="en-US" sz="4000"/>
-          </a:p>
-        </p:txBody>
-      </p:sp>
-      <p:sp>
-        <p:nvSpPr>
-          <p:cNvPr id="3" name="Content Placeholder 2">
-            <a:extLst>
-              <a:ext uri="{FF2B5EF4-FFF2-40B4-BE49-F238E27FC236}">
-                <a16:creationId xmlns:a16="http://schemas.microsoft.com/office/drawing/2014/main" id="{63754944-A191-6C4B-3033-8C2DCDB8A198}"/>
-              </a:ext>
-            </a:extLst>
-          </p:cNvPr>
-          <p:cNvSpPr>
-            <a:spLocks noGrp="1"/>
-          </p:cNvSpPr>
-          <p:nvPr>
-            <p:ph idx="1"/>
-          </p:nvPr>
-        </p:nvSpPr>
-        <p:spPr>
-          <a:xfrm>
-            <a:off x="604139" y="1406459"/>
-            <a:ext cx="5334203" cy="4238034"/>
-          </a:xfrm>
-        </p:spPr>
-        <p:txBody>
-          <a:bodyPr vert="horz" lIns="91440" tIns="45720" rIns="91440" bIns="45720" rtlCol="0" anchor="ctr">
-            <a:noAutofit/>
-          </a:bodyPr>
-          <a:lstStyle/>
-          <a:p>
-            <a:pPr marL="457200" indent="-457200">
-              <a:buAutoNum type="arabicPeriod"/>
-            </a:pPr>
-            <a:r>
-              <a:rPr lang="en-US" sz="2200"/>
-              <a:t>What is data drift?</a:t>
-            </a:r>
-          </a:p>
-          <a:p>
-            <a:pPr marL="457200" indent="-457200">
-              <a:buAutoNum type="arabicPeriod"/>
-            </a:pPr>
-            <a:r>
-              <a:rPr lang="en-US" sz="2200"/>
-              <a:t>What does Amazon Lookout do?</a:t>
-            </a:r>
-          </a:p>
-          <a:p>
-            <a:pPr marL="914400" lvl="1" indent="-457200">
-              <a:buAutoNum type="alphaLcPeriod"/>
-            </a:pPr>
-            <a:r>
-              <a:rPr lang="en-US" sz="1800"/>
-              <a:t>Extracts and analyzes text documents</a:t>
-            </a:r>
-          </a:p>
-          <a:p>
-            <a:pPr marL="914400" lvl="1" indent="-457200">
-              <a:buAutoNum type="alphaLcPeriod"/>
-            </a:pPr>
-            <a:r>
-              <a:rPr lang="en-US" sz="1800"/>
-              <a:t>Detect anomalies and  analyze the root causes</a:t>
-            </a:r>
-          </a:p>
-          <a:p>
-            <a:pPr marL="914400" lvl="1" indent="-457200">
-              <a:buAutoNum type="alphaLcPeriod"/>
-            </a:pPr>
-            <a:r>
-              <a:rPr lang="en-US" sz="1800"/>
-              <a:t>Retrieve relevant data via prompts or key-words</a:t>
-            </a:r>
-          </a:p>
-          <a:p>
-            <a:pPr marL="914400" lvl="1" indent="-457200">
-              <a:buAutoNum type="alphaLcPeriod"/>
-            </a:pPr>
-            <a:endParaRPr lang="en-US" sz="1800"/>
-          </a:p>
-          <a:p>
-            <a:pPr marL="457200" indent="-457200">
-              <a:buAutoNum type="arabicPeriod"/>
-            </a:pPr>
-            <a:r>
-              <a:rPr lang="en-US" sz="2200"/>
-              <a:t>Which of the following applications address the scalability issues at Netflix</a:t>
-            </a:r>
-          </a:p>
-          <a:p>
-            <a:pPr marL="914400" lvl="1" indent="-342900">
-              <a:buAutoNum type="alphaLcPeriod"/>
-            </a:pPr>
-            <a:r>
-              <a:rPr lang="en-US" sz="1800"/>
-              <a:t>Metaflow</a:t>
-            </a:r>
-          </a:p>
-          <a:p>
-            <a:pPr marL="914400" lvl="1" indent="-342900">
-              <a:buAutoNum type="alphaLcPeriod"/>
-            </a:pPr>
-            <a:r>
-              <a:rPr lang="en-US" sz="1800"/>
-              <a:t>Kubernetes</a:t>
-            </a:r>
-          </a:p>
-          <a:p>
-            <a:pPr marL="914400" lvl="1" indent="-342900">
-              <a:buAutoNum type="alphaLcPeriod"/>
-            </a:pPr>
-            <a:r>
-              <a:rPr lang="en-US" sz="1800" err="1"/>
-              <a:t>MLOps</a:t>
-            </a:r>
-            <a:endParaRPr lang="en-US" sz="1800"/>
-          </a:p>
-          <a:p>
-            <a:pPr marL="914400" lvl="1" indent="-342900">
-              <a:buAutoNum type="alphaLcPeriod"/>
-            </a:pPr>
-            <a:r>
-              <a:rPr lang="en-US" sz="1800"/>
-              <a:t>AWS Spot instances</a:t>
-            </a:r>
-          </a:p>
-          <a:p>
-            <a:pPr marL="457200" indent="-457200">
-              <a:buAutoNum type="arabicPeriod"/>
-            </a:pPr>
-            <a:r>
-              <a:rPr lang="en-US" sz="2200"/>
-              <a:t>What AWS services does AWS SageMaker have deep integration with? </a:t>
-            </a:r>
-          </a:p>
-          <a:p>
-            <a:pPr marL="914400" lvl="1" indent="-342900">
-              <a:buAutoNum type="alphaLcPeriod"/>
-            </a:pPr>
-            <a:r>
-              <a:rPr lang="en-US" sz="1800"/>
-              <a:t>EC2</a:t>
-            </a:r>
-          </a:p>
-          <a:p>
-            <a:pPr marL="914400" lvl="1" indent="-342900">
-              <a:buAutoNum type="alphaLcPeriod"/>
-            </a:pPr>
-            <a:r>
-              <a:rPr lang="en-US" sz="1800"/>
-              <a:t>S3</a:t>
-            </a:r>
-          </a:p>
-          <a:p>
-            <a:pPr marL="914400" lvl="1" indent="-342900">
-              <a:buAutoNum type="alphaLcPeriod"/>
-            </a:pPr>
-            <a:r>
-              <a:rPr lang="en-US" sz="1800"/>
-              <a:t>Lambda</a:t>
-            </a:r>
-          </a:p>
-          <a:p>
-            <a:pPr marL="914400" lvl="1" indent="-342900">
-              <a:buAutoNum type="alphaLcPeriod"/>
-            </a:pPr>
-            <a:r>
-              <a:rPr lang="en-US" sz="1800"/>
-              <a:t>All of the above</a:t>
-            </a:r>
-          </a:p>
-          <a:p>
-            <a:pPr marL="457200" indent="-457200">
-              <a:buAutoNum type="arabicPeriod"/>
-            </a:pPr>
-            <a:r>
-              <a:rPr lang="en-US" sz="2200"/>
-              <a:t>Which provider focuses on customer interactions, sales, marketing, and service operations:</a:t>
-            </a:r>
-          </a:p>
-          <a:p>
-            <a:pPr marL="914400" lvl="1" indent="-342900">
-              <a:buAutoNum type="alphaLcPeriod"/>
-            </a:pPr>
-            <a:r>
-              <a:rPr lang="en-US" sz="1800"/>
-              <a:t>AWS</a:t>
-            </a:r>
-          </a:p>
-          <a:p>
-            <a:pPr marL="914400" lvl="1" indent="-342900">
-              <a:buAutoNum type="alphaLcPeriod"/>
-            </a:pPr>
-            <a:r>
-              <a:rPr lang="en-US" sz="1800"/>
-              <a:t>Salesforce</a:t>
-            </a:r>
-          </a:p>
-          <a:p>
-            <a:pPr marL="914400" lvl="1" indent="-342900">
-              <a:buAutoNum type="alphaLcPeriod"/>
-            </a:pPr>
-            <a:r>
-              <a:rPr lang="en-US" sz="1800"/>
-              <a:t>Microsoft Azure</a:t>
-            </a:r>
-          </a:p>
-          <a:p>
-            <a:pPr marL="914400" lvl="1" indent="-342900">
-              <a:buAutoNum type="alphaLcPeriod"/>
-            </a:pPr>
-            <a:r>
-              <a:rPr lang="en-US" sz="1800"/>
-              <a:t>Google Cloud</a:t>
-            </a:r>
-          </a:p>
-          <a:p>
-            <a:pPr marL="457200" indent="-457200">
-              <a:buAutoNum type="arabicPeriod"/>
-            </a:pPr>
-            <a:endParaRPr lang="en-US" sz="2000"/>
-          </a:p>
-        </p:txBody>
-      </p:sp>
-      <p:pic>
-        <p:nvPicPr>
-          <p:cNvPr id="5" name="Picture 4" descr="Sticky notes with question marks">
-            <a:extLst>
-              <a:ext uri="{FF2B5EF4-FFF2-40B4-BE49-F238E27FC236}">
-                <a16:creationId xmlns:a16="http://schemas.microsoft.com/office/drawing/2014/main" id="{46E54E5C-6F7C-0D44-E8EA-D17F77768815}"/>
-              </a:ext>
-            </a:extLst>
-          </p:cNvPr>
-          <p:cNvPicPr>
-            <a:picLocks noChangeAspect="1"/>
-          </p:cNvPicPr>
-          <p:nvPr/>
-        </p:nvPicPr>
-        <p:blipFill>
-          <a:blip r:embed="rId2"/>
-          <a:srcRect l="25303" r="22860" b="-1"/>
-          <a:stretch/>
-        </p:blipFill>
-        <p:spPr>
-          <a:xfrm>
-            <a:off x="6857797" y="-10886"/>
-            <a:ext cx="5334204" cy="6868886"/>
-          </a:xfrm>
-          <a:prstGeom prst="rect">
-            <a:avLst/>
-          </a:prstGeom>
-          <a:effectLst>
-            <a:outerShdw blurRad="127000" dist="50800" dir="10800000" sx="99000" sy="99000" algn="r" rotWithShape="0">
-              <a:prstClr val="black">
-                <a:alpha val="40000"/>
-              </a:prstClr>
-            </a:outerShdw>
-          </a:effectLst>
-        </p:spPr>
-      </p:pic>
-    </p:spTree>
-    <p:extLst>
-      <p:ext uri="{BB962C8B-B14F-4D97-AF65-F5344CB8AC3E}">
-        <p14:creationId xmlns:p14="http://schemas.microsoft.com/office/powerpoint/2010/main" val="2212341596"/>
-      </p:ext>
-    </p:extLst>
-  </p:cSld>
-  <p:clrMapOvr>
-    <a:masterClrMapping/>
-  </p:clrMapOvr>
-</p:sld>
-</file>
-
-<file path=ppt/slides/slide11.xml><?xml version="1.0" encoding="utf-8"?>
-<p:sld xmlns:a="http://schemas.openxmlformats.org/drawingml/2006/main" xmlns:r="http://schemas.openxmlformats.org/officeDocument/2006/relationships" xmlns:p="http://schemas.openxmlformats.org/presentationml/2006/main">
-  <p:cSld>
-    <p:bg>
-      <p:bgPr>
-        <a:solidFill>
-          <a:schemeClr val="bg1"/>
-        </a:solidFill>
-        <a:effectLst/>
-      </p:bgPr>
-    </p:bg>
-    <p:spTree>
-      <p:nvGrpSpPr>
-        <p:cNvPr id="1" name=""/>
-        <p:cNvGrpSpPr/>
-        <p:nvPr/>
-      </p:nvGrpSpPr>
-      <p:grpSpPr>
-        <a:xfrm>
-          <a:off x="0" y="0"/>
-          <a:ext cx="0" cy="0"/>
-          <a:chOff x="0" y="0"/>
-          <a:chExt cx="0" cy="0"/>
-        </a:xfrm>
-      </p:grpSpPr>
-      <p:sp useBgFill="1">
-        <p:nvSpPr>
           <p:cNvPr id="8" name="Rectangle 7">
             <a:extLst>
               <a:ext uri="{FF2B5EF4-FFF2-40B4-BE49-F238E27FC236}">
@@ -7598,15 +4214,38 @@
             <a:endParaRPr lang="en-CA" dirty="0"/>
           </a:p>
           <a:p>
-            <a:pPr marL="0" indent="0">
-              <a:buNone/>
+            <a:pPr marL="285750" indent="-285750">
+              <a:buFont typeface="Arial" panose="020B0504020202020204" pitchFamily="34" charset="0"/>
             </a:pPr>
-            <a:br>
-              <a:rPr lang="en-CA" dirty="0"/>
-            </a:br>
-            <a:br>
-              <a:rPr lang="en-CA" dirty="0"/>
-            </a:br>
+            <a:r>
+              <a:rPr lang="en-CA">
+                <a:ea typeface="+mn-lt"/>
+                <a:cs typeface="+mn-lt"/>
+              </a:rPr>
+              <a:t>Allied Infoline. (n.d.). </a:t>
+            </a:r>
+            <a:r>
+              <a:rPr lang="en-CA" i="1">
+                <a:ea typeface="+mn-lt"/>
+                <a:cs typeface="+mn-lt"/>
+              </a:rPr>
+              <a:t>Data cleansing services</a:t>
+            </a:r>
+            <a:r>
+              <a:rPr lang="en-CA">
+                <a:ea typeface="+mn-lt"/>
+                <a:cs typeface="+mn-lt"/>
+              </a:rPr>
+              <a:t>. Allied Infoline. </a:t>
+            </a:r>
+            <a:r>
+              <a:rPr lang="en-CA">
+                <a:ea typeface="+mn-lt"/>
+                <a:cs typeface="+mn-lt"/>
+                <a:hlinkClick r:id="rId8"/>
+              </a:rPr>
+              <a:t>https://alliedinfoline.com/services/b2b-data-research/data-cleansing/</a:t>
+            </a:r>
             <a:endParaRPr lang="en-CA"/>
           </a:p>
           <a:p>
@@ -7735,7 +4374,7 @@
               <a:buChar char="•"/>
             </a:pPr>
             <a:r>
-              <a:rPr lang="en-US"/>
+              <a:rPr lang="en-US" dirty="0"/>
               <a:t>What is AI and ML? Review</a:t>
             </a:r>
           </a:p>
@@ -7745,8 +4384,8 @@
               <a:buChar char="•"/>
             </a:pPr>
             <a:r>
-              <a:rPr lang="en-US"/>
-              <a:t>Use Case, Market Analysis, Challenges and Future of Cloud</a:t>
+              <a:rPr lang="en-US" dirty="0"/>
+              <a:t>Use Case, Market Analysis, Challenges and Data cleaning</a:t>
             </a:r>
           </a:p>
           <a:p>
@@ -7755,7 +4394,7 @@
               <a:buChar char="•"/>
             </a:pPr>
             <a:r>
-              <a:rPr lang="en-US"/>
+              <a:rPr lang="en-US" dirty="0"/>
               <a:t>Tools for AI and ML</a:t>
             </a:r>
           </a:p>
@@ -7765,7 +4404,7 @@
               <a:buChar char="•"/>
             </a:pPr>
             <a:r>
-              <a:rPr lang="en-US"/>
+              <a:rPr lang="en-US" dirty="0"/>
               <a:t>Amazon Lookout for metrics</a:t>
             </a:r>
           </a:p>
@@ -9670,14 +6309,6 @@
 <file path=ppt/slides/slide7.xml><?xml version="1.0" encoding="utf-8"?>
 <p:sld xmlns:a="http://schemas.openxmlformats.org/drawingml/2006/main" xmlns:r="http://schemas.openxmlformats.org/officeDocument/2006/relationships" xmlns:p="http://schemas.openxmlformats.org/presentationml/2006/main">
   <p:cSld>
-    <p:bg>
-      <p:bgPr>
-        <a:solidFill>
-          <a:schemeClr val="bg2"/>
-        </a:solidFill>
-        <a:effectLst/>
-      </p:bgPr>
-    </p:bg>
     <p:spTree>
       <p:nvGrpSpPr>
         <p:cNvPr id="1" name=""/>
@@ -9697,103 +6328,6 @@
           <p:cNvPr id="2" name="Title 1">
             <a:extLst>
               <a:ext uri="{FF2B5EF4-FFF2-40B4-BE49-F238E27FC236}">
-                <a16:creationId xmlns:a16="http://schemas.microsoft.com/office/drawing/2014/main" id="{F4199D26-0FAA-404C-CFA3-B3212A3A452B}"/>
-              </a:ext>
-            </a:extLst>
-          </p:cNvPr>
-          <p:cNvSpPr>
-            <a:spLocks noGrp="1"/>
-          </p:cNvSpPr>
-          <p:nvPr>
-            <p:ph type="title"/>
-          </p:nvPr>
-        </p:nvSpPr>
-        <p:spPr>
-          <a:xfrm>
-            <a:off x="609600" y="557784"/>
-            <a:ext cx="10972800" cy="1325563"/>
-          </a:xfrm>
-        </p:spPr>
-        <p:txBody>
-          <a:bodyPr>
-            <a:normAutofit/>
-          </a:bodyPr>
-          <a:lstStyle/>
-          <a:p>
-            <a:r>
-              <a:rPr lang="en-US">
-                <a:ea typeface="+mj-lt"/>
-                <a:cs typeface="+mj-lt"/>
-              </a:rPr>
-              <a:t>Proposed Next Steps</a:t>
-            </a:r>
-            <a:endParaRPr lang="en-US">
-              <a:cs typeface="Posterama"/>
-            </a:endParaRPr>
-          </a:p>
-        </p:txBody>
-      </p:sp>
-      <p:graphicFrame>
-        <p:nvGraphicFramePr>
-          <p:cNvPr id="5" name="Content Placeholder 2">
-            <a:extLst>
-              <a:ext uri="{FF2B5EF4-FFF2-40B4-BE49-F238E27FC236}">
-                <a16:creationId xmlns:a16="http://schemas.microsoft.com/office/drawing/2014/main" id="{EEFC2532-890D-0273-92AC-058AC3097ABB}"/>
-              </a:ext>
-            </a:extLst>
-          </p:cNvPr>
-          <p:cNvGraphicFramePr>
-            <a:graphicFrameLocks noGrp="1"/>
-          </p:cNvGraphicFramePr>
-          <p:nvPr>
-            <p:ph idx="1"/>
-          </p:nvPr>
-        </p:nvGraphicFramePr>
-        <p:xfrm>
-          <a:off x="609600" y="2106613"/>
-          <a:ext cx="10972800" cy="4035425"/>
-        </p:xfrm>
-        <a:graphic>
-          <a:graphicData uri="http://schemas.openxmlformats.org/drawingml/2006/diagram">
-            <dgm:relIds xmlns:dgm="http://schemas.openxmlformats.org/drawingml/2006/diagram" xmlns:r="http://schemas.openxmlformats.org/officeDocument/2006/relationships" r:dm="rId2" r:lo="rId3" r:qs="rId4" r:cs="rId5"/>
-          </a:graphicData>
-        </a:graphic>
-      </p:graphicFrame>
-    </p:spTree>
-    <p:extLst>
-      <p:ext uri="{BB962C8B-B14F-4D97-AF65-F5344CB8AC3E}">
-        <p14:creationId xmlns:p14="http://schemas.microsoft.com/office/powerpoint/2010/main" val="4284364769"/>
-      </p:ext>
-    </p:extLst>
-  </p:cSld>
-  <p:clrMapOvr>
-    <a:masterClrMapping/>
-  </p:clrMapOvr>
-</p:sld>
-</file>
-
-<file path=ppt/slides/slide8.xml><?xml version="1.0" encoding="utf-8"?>
-<p:sld xmlns:a="http://schemas.openxmlformats.org/drawingml/2006/main" xmlns:r="http://schemas.openxmlformats.org/officeDocument/2006/relationships" xmlns:p="http://schemas.openxmlformats.org/presentationml/2006/main">
-  <p:cSld>
-    <p:spTree>
-      <p:nvGrpSpPr>
-        <p:cNvPr id="1" name=""/>
-        <p:cNvGrpSpPr/>
-        <p:nvPr/>
-      </p:nvGrpSpPr>
-      <p:grpSpPr>
-        <a:xfrm>
-          <a:off x="0" y="0"/>
-          <a:ext cx="0" cy="0"/>
-          <a:chOff x="0" y="0"/>
-          <a:chExt cx="0" cy="0"/>
-        </a:xfrm>
-      </p:grpSpPr>
-      <p:sp>
-        <p:nvSpPr>
-          <p:cNvPr id="2" name="Title 1">
-            <a:extLst>
-              <a:ext uri="{FF2B5EF4-FFF2-40B4-BE49-F238E27FC236}">
                 <a16:creationId xmlns:a16="http://schemas.microsoft.com/office/drawing/2014/main" id="{6662AB98-152B-3D1E-FEA7-888F5E9C6FEC}"/>
               </a:ext>
             </a:extLst>
@@ -9812,32 +6346,86 @@
           <a:p>
             <a:r>
               <a:rPr lang="en-US"/>
-              <a:t>Use of Data Cleaning</a:t>
-            </a:r>
-          </a:p>
-        </p:txBody>
-      </p:sp>
-      <p:sp>
-        <p:nvSpPr>
-          <p:cNvPr id="3" name="Content Placeholder 2">
+              <a:t>Process of Data Cleaning</a:t>
+            </a:r>
+          </a:p>
+        </p:txBody>
+      </p:sp>
+      <p:pic>
+        <p:nvPicPr>
+          <p:cNvPr id="4" name="Picture 3" descr="Data Cleansing">
             <a:extLst>
               <a:ext uri="{FF2B5EF4-FFF2-40B4-BE49-F238E27FC236}">
-                <a16:creationId xmlns:a16="http://schemas.microsoft.com/office/drawing/2014/main" id="{00EDA2A1-54E6-8CBB-A8B9-F64ABA8F3C10}"/>
+                <a16:creationId xmlns:a16="http://schemas.microsoft.com/office/drawing/2014/main" id="{50FB2AB8-BD80-6651-B32D-7661C0892F53}"/>
               </a:ext>
             </a:extLst>
           </p:cNvPr>
-          <p:cNvSpPr>
-            <a:spLocks noGrp="1"/>
-          </p:cNvSpPr>
-          <p:nvPr>
-            <p:ph idx="1"/>
-          </p:nvPr>
-        </p:nvSpPr>
-        <p:spPr/>
-        <p:txBody>
-          <a:bodyPr/>
-          <a:lstStyle/>
-          <a:p>
+          <p:cNvPicPr>
+            <a:picLocks noChangeAspect="1"/>
+          </p:cNvPicPr>
+          <p:nvPr/>
+        </p:nvPicPr>
+        <p:blipFill>
+          <a:blip r:embed="rId2"/>
+          <a:stretch>
+            <a:fillRect/>
+          </a:stretch>
+        </p:blipFill>
+        <p:spPr>
+          <a:xfrm>
+            <a:off x="2057400" y="1687140"/>
+            <a:ext cx="7215413" cy="4390861"/>
+          </a:xfrm>
+          <a:prstGeom prst="rect">
+            <a:avLst/>
+          </a:prstGeom>
+        </p:spPr>
+      </p:pic>
+      <p:sp>
+        <p:nvSpPr>
+          <p:cNvPr id="5" name="TextBox 4">
+            <a:extLst>
+              <a:ext uri="{FF2B5EF4-FFF2-40B4-BE49-F238E27FC236}">
+                <a16:creationId xmlns:a16="http://schemas.microsoft.com/office/drawing/2014/main" id="{31791DE7-B1A9-C37E-7AE4-FF7973ED801A}"/>
+              </a:ext>
+            </a:extLst>
+          </p:cNvPr>
+          <p:cNvSpPr txBox="1"/>
+          <p:nvPr/>
+        </p:nvSpPr>
+        <p:spPr>
+          <a:xfrm>
+            <a:off x="2355272" y="6072908"/>
+            <a:ext cx="4496130" cy="646331"/>
+          </a:xfrm>
+          <a:prstGeom prst="rect">
+            <a:avLst/>
+          </a:prstGeom>
+          <a:solidFill>
+            <a:schemeClr val="bg2"/>
+          </a:solidFill>
+        </p:spPr>
+        <p:txBody>
+          <a:bodyPr rot="0" spcFirstLastPara="0" vertOverflow="overflow" horzOverflow="overflow" vert="horz" wrap="square" lIns="91440" tIns="45720" rIns="91440" bIns="45720" numCol="1" spcCol="0" rtlCol="0" fromWordArt="0" anchor="t" anchorCtr="0" forceAA="0" compatLnSpc="1">
+            <a:prstTxWarp prst="textNoShape">
+              <a:avLst/>
+            </a:prstTxWarp>
+            <a:spAutoFit/>
+          </a:bodyPr>
+          <a:lstStyle/>
+          <a:p>
+            <a:pPr algn="l"/>
+            <a:r>
+              <a:rPr lang="en-US"/>
+              <a:t>(</a:t>
+            </a:r>
+            <a:r>
+              <a:rPr lang="en-US">
+                <a:ea typeface="+mn-lt"/>
+                <a:cs typeface="+mn-lt"/>
+              </a:rPr>
+              <a:t>https://alliedinfoline.com/services/b2b-data-research/data-cleansing/)</a:t>
+            </a:r>
             <a:endParaRPr lang="en-US"/>
           </a:p>
         </p:txBody>
@@ -9855,7 +6443,7 @@
 </p:sld>
 </file>
 
-<file path=ppt/slides/slide9.xml><?xml version="1.0" encoding="utf-8"?>
+<file path=ppt/slides/slide8.xml><?xml version="1.0" encoding="utf-8"?>
 <p:sld xmlns:a="http://schemas.openxmlformats.org/drawingml/2006/main" xmlns:r="http://schemas.openxmlformats.org/officeDocument/2006/relationships" xmlns:p="http://schemas.openxmlformats.org/presentationml/2006/main">
   <p:cSld>
     <p:bg>
@@ -10196,7 +6784,7 @@
         </p:spPr>
         <p:txBody>
           <a:bodyPr vert="horz" lIns="91440" tIns="45720" rIns="91440" bIns="45720" rtlCol="0" anchor="t">
-            <a:normAutofit fontScale="92500"/>
+            <a:normAutofit fontScale="92500" lnSpcReduction="10000"/>
           </a:bodyPr>
           <a:lstStyle/>
           <a:p>
@@ -10205,7 +6793,7 @@
               <a:buChar char="•"/>
             </a:pPr>
             <a:r>
-              <a:rPr lang="en-US"/>
+              <a:rPr lang="en-US" dirty="0"/>
               <a:t>Gone through use cases of BBC, Shneider and Toyota</a:t>
             </a:r>
           </a:p>
@@ -10215,7 +6803,7 @@
               <a:buChar char="•"/>
             </a:pPr>
             <a:r>
-              <a:rPr lang="en-US"/>
+              <a:rPr lang="en-US" dirty="0"/>
               <a:t>Observed AI and ML architecture</a:t>
             </a:r>
           </a:p>
@@ -10225,7 +6813,7 @@
               <a:buChar char="•"/>
             </a:pPr>
             <a:r>
-              <a:rPr lang="en-US"/>
+              <a:rPr lang="en-US" dirty="0"/>
               <a:t>Observed the growth of Cloud AI market</a:t>
             </a:r>
           </a:p>
@@ -10235,7 +6823,7 @@
               <a:buChar char="•"/>
             </a:pPr>
             <a:r>
-              <a:rPr lang="en-US"/>
+              <a:rPr lang="en-US" dirty="0"/>
               <a:t>Defined Challenges of Cloud and AI</a:t>
             </a:r>
           </a:p>
@@ -10245,8 +6833,8 @@
               <a:buChar char="•"/>
             </a:pPr>
             <a:r>
-              <a:rPr lang="en-US"/>
-              <a:t>Future of Cloud and AI</a:t>
+              <a:rPr lang="en-US" dirty="0"/>
+              <a:t>Process of Data cleaning</a:t>
             </a:r>
           </a:p>
           <a:p>
@@ -10269,6 +6857,406 @@
     <p:extLst>
       <p:ext uri="{BB962C8B-B14F-4D97-AF65-F5344CB8AC3E}">
         <p14:creationId xmlns:p14="http://schemas.microsoft.com/office/powerpoint/2010/main" val="2410285348"/>
+      </p:ext>
+    </p:extLst>
+  </p:cSld>
+  <p:clrMapOvr>
+    <a:masterClrMapping/>
+  </p:clrMapOvr>
+</p:sld>
+</file>
+
+<file path=ppt/slides/slide9.xml><?xml version="1.0" encoding="utf-8"?>
+<p:sld xmlns:a="http://schemas.openxmlformats.org/drawingml/2006/main" xmlns:r="http://schemas.openxmlformats.org/officeDocument/2006/relationships" xmlns:p="http://schemas.openxmlformats.org/presentationml/2006/main">
+  <p:cSld>
+    <p:bg>
+      <p:bgPr>
+        <a:solidFill>
+          <a:schemeClr val="bg1"/>
+        </a:solidFill>
+        <a:effectLst/>
+      </p:bgPr>
+    </p:bg>
+    <p:spTree>
+      <p:nvGrpSpPr>
+        <p:cNvPr id="1" name=""/>
+        <p:cNvGrpSpPr/>
+        <p:nvPr/>
+      </p:nvGrpSpPr>
+      <p:grpSpPr>
+        <a:xfrm>
+          <a:off x="0" y="0"/>
+          <a:ext cx="0" cy="0"/>
+          <a:chOff x="0" y="0"/>
+          <a:chExt cx="0" cy="0"/>
+        </a:xfrm>
+      </p:grpSpPr>
+      <p:sp useBgFill="1">
+        <p:nvSpPr>
+          <p:cNvPr id="9" name="Slide Background">
+            <a:extLst>
+              <a:ext uri="{FF2B5EF4-FFF2-40B4-BE49-F238E27FC236}">
+                <a16:creationId xmlns:a16="http://schemas.microsoft.com/office/drawing/2014/main" id="{9F7D5CDA-D291-4307-BF55-1381FED29634}"/>
+              </a:ext>
+              <a:ext uri="{C183D7F6-B498-43B3-948B-1728B52AA6E4}">
+                <adec:decorative xmlns:adec="http://schemas.microsoft.com/office/drawing/2017/decorative" val="1"/>
+              </a:ext>
+            </a:extLst>
+          </p:cNvPr>
+          <p:cNvSpPr>
+            <a:spLocks noGrp="1" noRot="1" noChangeAspect="1" noMove="1" noResize="1" noEditPoints="1" noAdjustHandles="1" noChangeArrowheads="1" noChangeShapeType="1" noTextEdit="1"/>
+          </p:cNvSpPr>
+          <p:nvPr>
+            <p:extLst>
+              <p:ext uri="{386F3935-93C4-4BCD-93E2-E3B085C9AB24}">
+                <p16:designElem xmlns:p16="http://schemas.microsoft.com/office/powerpoint/2015/main" val="1"/>
+              </p:ext>
+            </p:extLst>
+          </p:nvPr>
+        </p:nvSpPr>
+        <p:spPr>
+          <a:xfrm>
+            <a:off x="0" y="0"/>
+            <a:ext cx="12192000" cy="6858000"/>
+          </a:xfrm>
+          <a:prstGeom prst="rect">
+            <a:avLst/>
+          </a:prstGeom>
+          <a:ln>
+            <a:noFill/>
+          </a:ln>
+        </p:spPr>
+        <p:style>
+          <a:lnRef idx="2">
+            <a:schemeClr val="accent1">
+              <a:shade val="50000"/>
+            </a:schemeClr>
+          </a:lnRef>
+          <a:fillRef idx="1">
+            <a:schemeClr val="accent1"/>
+          </a:fillRef>
+          <a:effectRef idx="0">
+            <a:schemeClr val="accent1"/>
+          </a:effectRef>
+          <a:fontRef idx="minor">
+            <a:schemeClr val="lt1"/>
+          </a:fontRef>
+        </p:style>
+        <p:txBody>
+          <a:bodyPr rtlCol="0" anchor="ctr"/>
+          <a:lstStyle/>
+          <a:p>
+            <a:pPr algn="ctr"/>
+            <a:endParaRPr lang="en-US"/>
+          </a:p>
+        </p:txBody>
+      </p:sp>
+      <p:sp>
+        <p:nvSpPr>
+          <p:cNvPr id="2" name="Title 1">
+            <a:extLst>
+              <a:ext uri="{FF2B5EF4-FFF2-40B4-BE49-F238E27FC236}">
+                <a16:creationId xmlns:a16="http://schemas.microsoft.com/office/drawing/2014/main" id="{FA52A9F7-948D-B273-9C8F-C73170C43783}"/>
+              </a:ext>
+            </a:extLst>
+          </p:cNvPr>
+          <p:cNvSpPr>
+            <a:spLocks noGrp="1"/>
+          </p:cNvSpPr>
+          <p:nvPr>
+            <p:ph type="title"/>
+          </p:nvPr>
+        </p:nvSpPr>
+        <p:spPr>
+          <a:xfrm>
+            <a:off x="464917" y="376053"/>
+            <a:ext cx="2800795" cy="1035307"/>
+          </a:xfrm>
+        </p:spPr>
+        <p:txBody>
+          <a:bodyPr anchor="ctr">
+            <a:normAutofit/>
+          </a:bodyPr>
+          <a:lstStyle/>
+          <a:p>
+            <a:r>
+              <a:rPr lang="en-US" sz="4000">
+                <a:cs typeface="Posterama"/>
+              </a:rPr>
+              <a:t>Short Quiz!</a:t>
+            </a:r>
+            <a:endParaRPr lang="en-US" sz="4000"/>
+          </a:p>
+        </p:txBody>
+      </p:sp>
+      <p:sp>
+        <p:nvSpPr>
+          <p:cNvPr id="3" name="Content Placeholder 2">
+            <a:extLst>
+              <a:ext uri="{FF2B5EF4-FFF2-40B4-BE49-F238E27FC236}">
+                <a16:creationId xmlns:a16="http://schemas.microsoft.com/office/drawing/2014/main" id="{63754944-A191-6C4B-3033-8C2DCDB8A198}"/>
+              </a:ext>
+            </a:extLst>
+          </p:cNvPr>
+          <p:cNvSpPr>
+            <a:spLocks noGrp="1"/>
+          </p:cNvSpPr>
+          <p:nvPr>
+            <p:ph idx="1"/>
+          </p:nvPr>
+        </p:nvSpPr>
+        <p:spPr>
+          <a:xfrm>
+            <a:off x="464001" y="1607907"/>
+            <a:ext cx="5877237" cy="5096378"/>
+          </a:xfrm>
+        </p:spPr>
+        <p:txBody>
+          <a:bodyPr vert="horz" lIns="91440" tIns="45720" rIns="91440" bIns="45720" rtlCol="0" anchor="ctr">
+            <a:normAutofit fontScale="77500" lnSpcReduction="20000"/>
+          </a:bodyPr>
+          <a:lstStyle/>
+          <a:p>
+            <a:pPr marL="457200" indent="-457200">
+              <a:buAutoNum type="arabicPeriod"/>
+            </a:pPr>
+            <a:r>
+              <a:rPr lang="en-US" sz="2000"/>
+              <a:t>What is data drift?</a:t>
+            </a:r>
+            <a:endParaRPr lang="en-US"/>
+          </a:p>
+          <a:p>
+            <a:pPr marL="457200" indent="-457200">
+              <a:buAutoNum type="arabicPeriod"/>
+            </a:pPr>
+            <a:r>
+              <a:rPr lang="en-US" sz="2000"/>
+              <a:t>What does Amazon Lookout do?</a:t>
+            </a:r>
+          </a:p>
+          <a:p>
+            <a:pPr marL="914400" lvl="1" indent="-457200">
+              <a:buAutoNum type="alphaLcPeriod"/>
+            </a:pPr>
+            <a:r>
+              <a:rPr lang="en-US" sz="1600"/>
+              <a:t>Extracts and analyzes text documents</a:t>
+            </a:r>
+          </a:p>
+          <a:p>
+            <a:pPr marL="914400" lvl="1" indent="-457200">
+              <a:buAutoNum type="alphaLcPeriod"/>
+            </a:pPr>
+            <a:r>
+              <a:rPr lang="en-US" sz="1600"/>
+              <a:t>Detect anomalies and  analyze the root causes</a:t>
+            </a:r>
+          </a:p>
+          <a:p>
+            <a:pPr marL="914400" lvl="1" indent="-457200">
+              <a:buAutoNum type="alphaLcPeriod"/>
+            </a:pPr>
+            <a:r>
+              <a:rPr lang="en-US" sz="1600"/>
+              <a:t>Retrieve relevant data via prompts or key-words</a:t>
+            </a:r>
+          </a:p>
+          <a:p>
+            <a:pPr marL="914400" lvl="1" indent="-457200">
+              <a:buAutoNum type="alphaLcPeriod"/>
+            </a:pPr>
+            <a:endParaRPr lang="en-US" sz="1600"/>
+          </a:p>
+          <a:p>
+            <a:pPr marL="457200" indent="-457200">
+              <a:buAutoNum type="arabicPeriod"/>
+            </a:pPr>
+            <a:r>
+              <a:rPr lang="en-US" sz="2000" dirty="0"/>
+              <a:t>Which of the following applications address the scalability issues at Netflix</a:t>
+            </a:r>
+          </a:p>
+          <a:p>
+            <a:pPr marL="914400" lvl="1" indent="-342900">
+              <a:buAutoNum type="alphaLcPeriod"/>
+            </a:pPr>
+            <a:r>
+              <a:rPr lang="en-US" sz="1600"/>
+              <a:t>Metaflow</a:t>
+            </a:r>
+            <a:endParaRPr lang="en-US" sz="1200"/>
+          </a:p>
+          <a:p>
+            <a:pPr marL="914400" lvl="1" indent="-342900">
+              <a:buAutoNum type="alphaLcPeriod"/>
+            </a:pPr>
+            <a:r>
+              <a:rPr lang="en-US" sz="1600"/>
+              <a:t>Kubernetes</a:t>
+            </a:r>
+          </a:p>
+          <a:p>
+            <a:pPr marL="914400" lvl="1" indent="-342900">
+              <a:buAutoNum type="alphaLcPeriod"/>
+            </a:pPr>
+            <a:r>
+              <a:rPr lang="en-US" sz="1600" err="1"/>
+              <a:t>MLOps</a:t>
+            </a:r>
+            <a:endParaRPr lang="en-US" err="1"/>
+          </a:p>
+          <a:p>
+            <a:pPr marL="914400" lvl="1" indent="-342900">
+              <a:buAutoNum type="alphaLcPeriod"/>
+            </a:pPr>
+            <a:r>
+              <a:rPr lang="en-US" sz="1600"/>
+              <a:t>AWS Spot instances</a:t>
+            </a:r>
+          </a:p>
+          <a:p>
+            <a:pPr marL="457200" indent="-457200">
+              <a:buAutoNum type="arabicPeriod"/>
+            </a:pPr>
+            <a:r>
+              <a:rPr lang="en-US" sz="2000"/>
+              <a:t>What AWS services does AWS SageMaker have deep integration with? </a:t>
+            </a:r>
+          </a:p>
+          <a:p>
+            <a:pPr marL="914400" lvl="1" indent="-342900">
+              <a:buAutoNum type="alphaLcPeriod"/>
+            </a:pPr>
+            <a:r>
+              <a:rPr lang="en-US" sz="1600"/>
+              <a:t>EC2</a:t>
+            </a:r>
+          </a:p>
+          <a:p>
+            <a:pPr marL="914400" lvl="1" indent="-342900">
+              <a:buAutoNum type="alphaLcPeriod"/>
+            </a:pPr>
+            <a:r>
+              <a:rPr lang="en-US" sz="1600"/>
+              <a:t>S3</a:t>
+            </a:r>
+          </a:p>
+          <a:p>
+            <a:pPr marL="914400" lvl="1" indent="-342900">
+              <a:buAutoNum type="alphaLcPeriod"/>
+            </a:pPr>
+            <a:r>
+              <a:rPr lang="en-US" sz="1600"/>
+              <a:t>Lambda</a:t>
+            </a:r>
+          </a:p>
+          <a:p>
+            <a:pPr marL="914400" lvl="1" indent="-342900">
+              <a:buAutoNum type="alphaLcPeriod"/>
+            </a:pPr>
+            <a:r>
+              <a:rPr lang="en-US" sz="1600"/>
+              <a:t>All of the above</a:t>
+            </a:r>
+          </a:p>
+          <a:p>
+            <a:pPr marL="457200" indent="-457200">
+              <a:buAutoNum type="arabicPeriod"/>
+            </a:pPr>
+            <a:r>
+              <a:rPr lang="en-US" sz="2000"/>
+              <a:t>Which provider focuses on customer interactions, sales, marketing, and service operations:</a:t>
+            </a:r>
+            <a:endParaRPr lang="en-US" sz="1200"/>
+          </a:p>
+          <a:p>
+            <a:pPr marL="1028700" lvl="1" indent="-342900">
+              <a:buAutoNum type="alphaLcPeriod"/>
+            </a:pPr>
+            <a:r>
+              <a:rPr lang="en-US" sz="1600"/>
+              <a:t>AWS </a:t>
+            </a:r>
+          </a:p>
+          <a:p>
+            <a:pPr marL="1028700" lvl="1" indent="-342900">
+              <a:buAutoNum type="alphaLcPeriod"/>
+            </a:pPr>
+            <a:r>
+              <a:rPr lang="en-US" sz="1600"/>
+              <a:t>Salesforce </a:t>
+            </a:r>
+            <a:endParaRPr lang="en-US"/>
+          </a:p>
+          <a:p>
+            <a:pPr marL="1028700" lvl="1" indent="-342900">
+              <a:buAutoNum type="alphaLcPeriod"/>
+            </a:pPr>
+            <a:r>
+              <a:rPr lang="en-US" sz="1600"/>
+              <a:t>Microsoft Azure</a:t>
+            </a:r>
+            <a:endParaRPr lang="en-US"/>
+          </a:p>
+          <a:p>
+            <a:pPr marL="1028700" lvl="1" indent="-342900">
+              <a:buAutoNum type="alphaLcPeriod"/>
+            </a:pPr>
+            <a:r>
+              <a:rPr lang="en-US" sz="1600"/>
+              <a:t>Google Cloud</a:t>
+            </a:r>
+            <a:endParaRPr lang="en-US"/>
+          </a:p>
+          <a:p>
+            <a:pPr marL="457200" indent="-457200">
+              <a:buAutoNum type="arabicPeriod"/>
+            </a:pPr>
+            <a:endParaRPr lang="en-US" sz="2000"/>
+          </a:p>
+        </p:txBody>
+      </p:sp>
+      <p:pic>
+        <p:nvPicPr>
+          <p:cNvPr id="5" name="Picture 4" descr="Sticky notes with question marks">
+            <a:extLst>
+              <a:ext uri="{FF2B5EF4-FFF2-40B4-BE49-F238E27FC236}">
+                <a16:creationId xmlns:a16="http://schemas.microsoft.com/office/drawing/2014/main" id="{46E54E5C-6F7C-0D44-E8EA-D17F77768815}"/>
+              </a:ext>
+            </a:extLst>
+          </p:cNvPr>
+          <p:cNvPicPr>
+            <a:picLocks noChangeAspect="1"/>
+          </p:cNvPicPr>
+          <p:nvPr/>
+        </p:nvPicPr>
+        <p:blipFill>
+          <a:blip r:embed="rId2"/>
+          <a:srcRect l="25303" r="22860" b="-1"/>
+          <a:stretch/>
+        </p:blipFill>
+        <p:spPr>
+          <a:xfrm>
+            <a:off x="6857797" y="-10886"/>
+            <a:ext cx="5334204" cy="6868886"/>
+          </a:xfrm>
+          <a:prstGeom prst="rect">
+            <a:avLst/>
+          </a:prstGeom>
+          <a:effectLst>
+            <a:outerShdw blurRad="127000" dist="50800" dir="10800000" sx="99000" sy="99000" algn="r" rotWithShape="0">
+              <a:prstClr val="black">
+                <a:alpha val="40000"/>
+              </a:prstClr>
+            </a:outerShdw>
+          </a:effectLst>
+        </p:spPr>
+      </p:pic>
+    </p:spTree>
+    <p:extLst>
+      <p:ext uri="{BB962C8B-B14F-4D97-AF65-F5344CB8AC3E}">
+        <p14:creationId xmlns:p14="http://schemas.microsoft.com/office/powerpoint/2010/main" val="2212341596"/>
       </p:ext>
     </p:extLst>
   </p:cSld>
